--- a/UT/session1/UT Workshop 1.pptx
+++ b/UT/session1/UT Workshop 1.pptx
@@ -311,7 +311,7 @@
               <a:pPr>
                 <a:defRPr/>
               </a:pPr>
-              <a:t>8/11/2016</a:t>
+              <a:t>8/12/2016</a:t>
             </a:fld>
             <a:endParaRPr lang="en-US"/>
           </a:p>
@@ -618,6 +618,99 @@
 </p:notesMaster>
 </file>
 
+<file path=ppt/notesSlides/notesSlide1.xml><?xml version="1.0" encoding="utf-8"?>
+<p:notes xmlns:a="http://schemas.openxmlformats.org/drawingml/2006/main" xmlns:r="http://schemas.openxmlformats.org/officeDocument/2006/relationships" xmlns:p="http://schemas.openxmlformats.org/presentationml/2006/main">
+  <p:cSld>
+    <p:spTree>
+      <p:nvGrpSpPr>
+        <p:cNvPr id="1" name=""/>
+        <p:cNvGrpSpPr/>
+        <p:nvPr/>
+      </p:nvGrpSpPr>
+      <p:grpSpPr>
+        <a:xfrm>
+          <a:off x="0" y="0"/>
+          <a:ext cx="0" cy="0"/>
+          <a:chOff x="0" y="0"/>
+          <a:chExt cx="0" cy="0"/>
+        </a:xfrm>
+      </p:grpSpPr>
+      <p:sp>
+        <p:nvSpPr>
+          <p:cNvPr id="2" name="幻灯片图像占位符 1"/>
+          <p:cNvSpPr>
+            <a:spLocks noGrp="1" noRot="1" noChangeAspect="1"/>
+          </p:cNvSpPr>
+          <p:nvPr>
+            <p:ph type="sldImg"/>
+          </p:nvPr>
+        </p:nvSpPr>
+        <p:spPr/>
+      </p:sp>
+      <p:sp>
+        <p:nvSpPr>
+          <p:cNvPr id="3" name="备注占位符 2"/>
+          <p:cNvSpPr>
+            <a:spLocks noGrp="1"/>
+          </p:cNvSpPr>
+          <p:nvPr>
+            <p:ph type="body" idx="1"/>
+          </p:nvPr>
+        </p:nvSpPr>
+        <p:spPr/>
+        <p:txBody>
+          <a:bodyPr/>
+          <a:lstStyle/>
+          <a:p>
+            <a:r>
+              <a:rPr lang="zh-CN" altLang="en-US" dirty="0"/>
+              <a:t>新增需求导致老的测试需要修改</a:t>
+            </a:r>
+          </a:p>
+        </p:txBody>
+      </p:sp>
+      <p:sp>
+        <p:nvSpPr>
+          <p:cNvPr id="4" name="灯片编号占位符 3"/>
+          <p:cNvSpPr>
+            <a:spLocks noGrp="1"/>
+          </p:cNvSpPr>
+          <p:nvPr>
+            <p:ph type="sldNum" sz="quarter" idx="10"/>
+          </p:nvPr>
+        </p:nvSpPr>
+        <p:spPr/>
+        <p:txBody>
+          <a:bodyPr/>
+          <a:lstStyle/>
+          <a:p>
+            <a:pPr>
+              <a:defRPr/>
+            </a:pPr>
+            <a:fld id="{0511B370-14E8-EF4C-9AA2-64A5C8F91989}" type="slidenum">
+              <a:rPr lang="en-US" smtClean="0"/>
+              <a:pPr>
+                <a:defRPr/>
+              </a:pPr>
+              <a:t>17</a:t>
+            </a:fld>
+            <a:endParaRPr lang="en-US"/>
+          </a:p>
+        </p:txBody>
+      </p:sp>
+    </p:spTree>
+    <p:extLst>
+      <p:ext uri="{BB962C8B-B14F-4D97-AF65-F5344CB8AC3E}">
+        <p14:creationId xmlns:p14="http://schemas.microsoft.com/office/powerpoint/2010/main" val="2550518845"/>
+      </p:ext>
+    </p:extLst>
+  </p:cSld>
+  <p:clrMapOvr>
+    <a:masterClrMapping/>
+  </p:clrMapOvr>
+</p:notes>
+</file>
+
 <file path=ppt/slideLayouts/slideLayout1.xml><?xml version="1.0" encoding="utf-8"?>
 <p:sldLayout xmlns:a="http://schemas.openxmlformats.org/drawingml/2006/main" xmlns:r="http://schemas.openxmlformats.org/officeDocument/2006/relationships" xmlns:p="http://schemas.openxmlformats.org/presentationml/2006/main" preserve="1" userDrawn="1">
   <p:cSld name="Title">
@@ -662,7 +755,7 @@
           </a:ln>
           <a:extLst>
             <a:ext uri="{909E8E84-426E-40dd-AFC4-6F175D3DCCD1}">
-              <a14:hiddenFill xmlns="" xmlns:a14="http://schemas.microsoft.com/office/drawing/2010/main">
+              <a14:hiddenFill xmlns:a14="http://schemas.microsoft.com/office/drawing/2010/main" xmlns="">
                 <a:noFill/>
               </a14:hiddenFill>
             </a:ext>
@@ -706,7 +799,7 @@
           </a:ln>
           <a:extLst>
             <a:ext uri="{909E8E84-426E-40dd-AFC4-6F175D3DCCD1}">
-              <a14:hiddenFill xmlns="" xmlns:a14="http://schemas.microsoft.com/office/drawing/2010/main">
+              <a14:hiddenFill xmlns:a14="http://schemas.microsoft.com/office/drawing/2010/main" xmlns="">
                 <a:noFill/>
               </a14:hiddenFill>
             </a:ext>
@@ -755,14 +848,14 @@
           </a:ln>
           <a:extLst>
             <a:ext uri="{909E8E84-426E-40dd-AFC4-6F175D3DCCD1}">
-              <a14:hiddenFill xmlns="" xmlns:a14="http://schemas.microsoft.com/office/drawing/2010/main">
+              <a14:hiddenFill xmlns:a14="http://schemas.microsoft.com/office/drawing/2010/main" xmlns="">
                 <a:solidFill>
                   <a:srgbClr val="FFFFFF"/>
                 </a:solidFill>
               </a14:hiddenFill>
             </a:ext>
             <a:ext uri="{91240B29-F687-4f45-9708-019B960494DF}">
-              <a14:hiddenLine xmlns="" xmlns:a14="http://schemas.microsoft.com/office/drawing/2010/main" w="9525">
+              <a14:hiddenLine xmlns:a14="http://schemas.microsoft.com/office/drawing/2010/main" xmlns="" w="9525">
                 <a:solidFill>
                   <a:srgbClr val="000000"/>
                 </a:solidFill>
@@ -1107,7 +1200,7 @@
           </a:ln>
           <a:extLst>
             <a:ext uri="{909E8E84-426E-40dd-AFC4-6F175D3DCCD1}">
-              <a14:hiddenFill xmlns="" xmlns:a14="http://schemas.microsoft.com/office/drawing/2010/main">
+              <a14:hiddenFill xmlns:a14="http://schemas.microsoft.com/office/drawing/2010/main" xmlns="">
                 <a:noFill/>
               </a14:hiddenFill>
             </a:ext>
@@ -1156,14 +1249,14 @@
           </a:ln>
           <a:extLst>
             <a:ext uri="{909E8E84-426E-40dd-AFC4-6F175D3DCCD1}">
-              <a14:hiddenFill xmlns="" xmlns:a14="http://schemas.microsoft.com/office/drawing/2010/main">
+              <a14:hiddenFill xmlns:a14="http://schemas.microsoft.com/office/drawing/2010/main" xmlns="">
                 <a:solidFill>
                   <a:srgbClr val="FFFFFF"/>
                 </a:solidFill>
               </a14:hiddenFill>
             </a:ext>
             <a:ext uri="{91240B29-F687-4f45-9708-019B960494DF}">
-              <a14:hiddenLine xmlns="" xmlns:a14="http://schemas.microsoft.com/office/drawing/2010/main" w="9525">
+              <a14:hiddenLine xmlns:a14="http://schemas.microsoft.com/office/drawing/2010/main" xmlns="" w="9525">
                 <a:solidFill>
                   <a:srgbClr val="000000"/>
                 </a:solidFill>
@@ -1390,7 +1483,7 @@
           </a:ln>
           <a:extLst>
             <a:ext uri="{909E8E84-426E-40dd-AFC4-6F175D3DCCD1}">
-              <a14:hiddenFill xmlns="" xmlns:a14="http://schemas.microsoft.com/office/drawing/2010/main">
+              <a14:hiddenFill xmlns:a14="http://schemas.microsoft.com/office/drawing/2010/main" xmlns="">
                 <a:noFill/>
               </a14:hiddenFill>
             </a:ext>
@@ -1434,7 +1527,7 @@
           </a:ln>
           <a:extLst>
             <a:ext uri="{909E8E84-426E-40dd-AFC4-6F175D3DCCD1}">
-              <a14:hiddenFill xmlns="" xmlns:a14="http://schemas.microsoft.com/office/drawing/2010/main">
+              <a14:hiddenFill xmlns:a14="http://schemas.microsoft.com/office/drawing/2010/main" xmlns="">
                 <a:noFill/>
               </a14:hiddenFill>
             </a:ext>
@@ -1483,14 +1576,14 @@
           </a:ln>
           <a:extLst>
             <a:ext uri="{909E8E84-426E-40dd-AFC4-6F175D3DCCD1}">
-              <a14:hiddenFill xmlns="" xmlns:a14="http://schemas.microsoft.com/office/drawing/2010/main">
+              <a14:hiddenFill xmlns:a14="http://schemas.microsoft.com/office/drawing/2010/main" xmlns="">
                 <a:solidFill>
                   <a:srgbClr val="FFFFFF"/>
                 </a:solidFill>
               </a14:hiddenFill>
             </a:ext>
             <a:ext uri="{91240B29-F687-4f45-9708-019B960494DF}">
-              <a14:hiddenLine xmlns="" xmlns:a14="http://schemas.microsoft.com/office/drawing/2010/main" w="9525">
+              <a14:hiddenLine xmlns:a14="http://schemas.microsoft.com/office/drawing/2010/main" xmlns="" w="9525">
                 <a:solidFill>
                   <a:srgbClr val="000000"/>
                 </a:solidFill>
@@ -1762,7 +1855,7 @@
           </a:ln>
           <a:extLst>
             <a:ext uri="{909E8E84-426E-40dd-AFC4-6F175D3DCCD1}">
-              <a14:hiddenFill xmlns="" xmlns:a14="http://schemas.microsoft.com/office/drawing/2010/main">
+              <a14:hiddenFill xmlns:a14="http://schemas.microsoft.com/office/drawing/2010/main" xmlns="">
                 <a:noFill/>
               </a14:hiddenFill>
             </a:ext>
@@ -1965,7 +2058,7 @@
           </a:ln>
           <a:extLst>
             <a:ext uri="{909E8E84-426E-40dd-AFC4-6F175D3DCCD1}">
-              <a14:hiddenFill xmlns="" xmlns:a14="http://schemas.microsoft.com/office/drawing/2010/main">
+              <a14:hiddenFill xmlns:a14="http://schemas.microsoft.com/office/drawing/2010/main" xmlns="">
                 <a:noFill/>
               </a14:hiddenFill>
             </a:ext>
@@ -2173,7 +2266,7 @@
           </a:ln>
           <a:extLst>
             <a:ext uri="{909E8E84-426E-40dd-AFC4-6F175D3DCCD1}">
-              <a14:hiddenFill xmlns="" xmlns:a14="http://schemas.microsoft.com/office/drawing/2010/main">
+              <a14:hiddenFill xmlns:a14="http://schemas.microsoft.com/office/drawing/2010/main" xmlns="">
                 <a:noFill/>
               </a14:hiddenFill>
             </a:ext>
@@ -2422,7 +2515,7 @@
           </a:ln>
           <a:extLst>
             <a:ext uri="{909E8E84-426E-40dd-AFC4-6F175D3DCCD1}">
-              <a14:hiddenFill xmlns="" xmlns:a14="http://schemas.microsoft.com/office/drawing/2010/main">
+              <a14:hiddenFill xmlns:a14="http://schemas.microsoft.com/office/drawing/2010/main" xmlns="">
                 <a:noFill/>
               </a14:hiddenFill>
             </a:ext>
@@ -2471,14 +2564,14 @@
           </a:ln>
           <a:extLst>
             <a:ext uri="{909E8E84-426E-40dd-AFC4-6F175D3DCCD1}">
-              <a14:hiddenFill xmlns="" xmlns:a14="http://schemas.microsoft.com/office/drawing/2010/main">
+              <a14:hiddenFill xmlns:a14="http://schemas.microsoft.com/office/drawing/2010/main" xmlns="">
                 <a:solidFill>
                   <a:srgbClr val="FFFFFF"/>
                 </a:solidFill>
               </a14:hiddenFill>
             </a:ext>
             <a:ext uri="{91240B29-F687-4f45-9708-019B960494DF}">
-              <a14:hiddenLine xmlns="" xmlns:a14="http://schemas.microsoft.com/office/drawing/2010/main" w="9525">
+              <a14:hiddenLine xmlns:a14="http://schemas.microsoft.com/office/drawing/2010/main" xmlns="" w="9525">
                 <a:solidFill>
                   <a:srgbClr val="000000"/>
                 </a:solidFill>
@@ -2739,7 +2832,7 @@
           </a:ln>
           <a:extLst>
             <a:ext uri="{909E8E84-426E-40dd-AFC4-6F175D3DCCD1}">
-              <a14:hiddenFill xmlns="" xmlns:a14="http://schemas.microsoft.com/office/drawing/2010/main">
+              <a14:hiddenFill xmlns:a14="http://schemas.microsoft.com/office/drawing/2010/main" xmlns="">
                 <a:noFill/>
               </a14:hiddenFill>
             </a:ext>
@@ -2788,14 +2881,14 @@
           </a:ln>
           <a:extLst>
             <a:ext uri="{909E8E84-426E-40dd-AFC4-6F175D3DCCD1}">
-              <a14:hiddenFill xmlns="" xmlns:a14="http://schemas.microsoft.com/office/drawing/2010/main">
+              <a14:hiddenFill xmlns:a14="http://schemas.microsoft.com/office/drawing/2010/main" xmlns="">
                 <a:solidFill>
                   <a:srgbClr val="FFFFFF"/>
                 </a:solidFill>
               </a14:hiddenFill>
             </a:ext>
             <a:ext uri="{91240B29-F687-4f45-9708-019B960494DF}">
-              <a14:hiddenLine xmlns="" xmlns:a14="http://schemas.microsoft.com/office/drawing/2010/main" w="9525">
+              <a14:hiddenLine xmlns:a14="http://schemas.microsoft.com/office/drawing/2010/main" xmlns="" w="9525">
                 <a:solidFill>
                   <a:srgbClr val="000000"/>
                 </a:solidFill>
@@ -3436,7 +3529,7 @@
           </a:ln>
           <a:extLst>
             <a:ext uri="{909E8E84-426E-40dd-AFC4-6F175D3DCCD1}">
-              <a14:hiddenFill xmlns="" xmlns:a14="http://schemas.microsoft.com/office/drawing/2010/main">
+              <a14:hiddenFill xmlns:a14="http://schemas.microsoft.com/office/drawing/2010/main" xmlns="">
                 <a:noFill/>
               </a14:hiddenFill>
             </a:ext>
@@ -3629,7 +3722,7 @@
           </a:ln>
           <a:extLst>
             <a:ext uri="{909E8E84-426E-40dd-AFC4-6F175D3DCCD1}">
-              <a14:hiddenFill xmlns="" xmlns:a14="http://schemas.microsoft.com/office/drawing/2010/main">
+              <a14:hiddenFill xmlns:a14="http://schemas.microsoft.com/office/drawing/2010/main" xmlns="">
                 <a:noFill/>
               </a14:hiddenFill>
             </a:ext>
@@ -3670,7 +3763,7 @@
           </a:ln>
           <a:extLst>
             <a:ext uri="{909E8E84-426E-40dd-AFC4-6F175D3DCCD1}">
-              <a14:hiddenFill xmlns="" xmlns:a14="http://schemas.microsoft.com/office/drawing/2010/main">
+              <a14:hiddenFill xmlns:a14="http://schemas.microsoft.com/office/drawing/2010/main" xmlns="">
                 <a:noFill/>
               </a14:hiddenFill>
             </a:ext>
@@ -3880,7 +3973,7 @@
           </a:ln>
           <a:extLst>
             <a:ext uri="{909E8E84-426E-40dd-AFC4-6F175D3DCCD1}">
-              <a14:hiddenFill xmlns="" xmlns:a14="http://schemas.microsoft.com/office/drawing/2010/main">
+              <a14:hiddenFill xmlns:a14="http://schemas.microsoft.com/office/drawing/2010/main" xmlns="">
                 <a:noFill/>
               </a14:hiddenFill>
             </a:ext>
@@ -3929,14 +4022,14 @@
           </a:ln>
           <a:extLst>
             <a:ext uri="{909E8E84-426E-40dd-AFC4-6F175D3DCCD1}">
-              <a14:hiddenFill xmlns="" xmlns:a14="http://schemas.microsoft.com/office/drawing/2010/main">
+              <a14:hiddenFill xmlns:a14="http://schemas.microsoft.com/office/drawing/2010/main" xmlns="">
                 <a:solidFill>
                   <a:srgbClr val="FFFFFF"/>
                 </a:solidFill>
               </a14:hiddenFill>
             </a:ext>
             <a:ext uri="{91240B29-F687-4f45-9708-019B960494DF}">
-              <a14:hiddenLine xmlns="" xmlns:a14="http://schemas.microsoft.com/office/drawing/2010/main" w="9525">
+              <a14:hiddenLine xmlns:a14="http://schemas.microsoft.com/office/drawing/2010/main" xmlns="" w="9525">
                 <a:solidFill>
                   <a:srgbClr val="000000"/>
                 </a:solidFill>
@@ -4165,7 +4258,7 @@
           </a:ln>
           <a:extLst>
             <a:ext uri="{909E8E84-426E-40dd-AFC4-6F175D3DCCD1}">
-              <a14:hiddenFill xmlns="" xmlns:a14="http://schemas.microsoft.com/office/drawing/2010/main">
+              <a14:hiddenFill xmlns:a14="http://schemas.microsoft.com/office/drawing/2010/main" xmlns="">
                 <a:noFill/>
               </a14:hiddenFill>
             </a:ext>
@@ -4209,7 +4302,7 @@
           </a:ln>
           <a:extLst>
             <a:ext uri="{909E8E84-426E-40dd-AFC4-6F175D3DCCD1}">
-              <a14:hiddenFill xmlns="" xmlns:a14="http://schemas.microsoft.com/office/drawing/2010/main">
+              <a14:hiddenFill xmlns:a14="http://schemas.microsoft.com/office/drawing/2010/main" xmlns="">
                 <a:noFill/>
               </a14:hiddenFill>
             </a:ext>
@@ -4258,14 +4351,14 @@
           </a:ln>
           <a:extLst>
             <a:ext uri="{909E8E84-426E-40dd-AFC4-6F175D3DCCD1}">
-              <a14:hiddenFill xmlns="" xmlns:a14="http://schemas.microsoft.com/office/drawing/2010/main">
+              <a14:hiddenFill xmlns:a14="http://schemas.microsoft.com/office/drawing/2010/main" xmlns="">
                 <a:solidFill>
                   <a:srgbClr val="FFFFFF"/>
                 </a:solidFill>
               </a14:hiddenFill>
             </a:ext>
             <a:ext uri="{91240B29-F687-4f45-9708-019B960494DF}">
-              <a14:hiddenLine xmlns="" xmlns:a14="http://schemas.microsoft.com/office/drawing/2010/main" w="9525">
+              <a14:hiddenLine xmlns:a14="http://schemas.microsoft.com/office/drawing/2010/main" xmlns="" w="9525">
                 <a:solidFill>
                   <a:srgbClr val="000000"/>
                 </a:solidFill>
@@ -4537,7 +4630,7 @@
           </a:ln>
           <a:extLst>
             <a:ext uri="{909E8E84-426E-40dd-AFC4-6F175D3DCCD1}">
-              <a14:hiddenFill xmlns="" xmlns:a14="http://schemas.microsoft.com/office/drawing/2010/main">
+              <a14:hiddenFill xmlns:a14="http://schemas.microsoft.com/office/drawing/2010/main" xmlns="">
                 <a:noFill/>
               </a14:hiddenFill>
             </a:ext>
@@ -4749,7 +4842,7 @@
           </a:ln>
           <a:extLst>
             <a:ext uri="{909E8E84-426E-40dd-AFC4-6F175D3DCCD1}">
-              <a14:hiddenFill xmlns="" xmlns:a14="http://schemas.microsoft.com/office/drawing/2010/main">
+              <a14:hiddenFill xmlns:a14="http://schemas.microsoft.com/office/drawing/2010/main" xmlns="">
                 <a:noFill/>
               </a14:hiddenFill>
             </a:ext>
@@ -4966,7 +5059,7 @@
           </a:ln>
           <a:extLst>
             <a:ext uri="{909E8E84-426E-40dd-AFC4-6F175D3DCCD1}">
-              <a14:hiddenFill xmlns="" xmlns:a14="http://schemas.microsoft.com/office/drawing/2010/main">
+              <a14:hiddenFill xmlns:a14="http://schemas.microsoft.com/office/drawing/2010/main" xmlns="">
                 <a:noFill/>
               </a14:hiddenFill>
             </a:ext>
@@ -5215,7 +5308,7 @@
           </a:ln>
           <a:extLst>
             <a:ext uri="{909E8E84-426E-40dd-AFC4-6F175D3DCCD1}">
-              <a14:hiddenFill xmlns="" xmlns:a14="http://schemas.microsoft.com/office/drawing/2010/main">
+              <a14:hiddenFill xmlns:a14="http://schemas.microsoft.com/office/drawing/2010/main" xmlns="">
                 <a:noFill/>
               </a14:hiddenFill>
             </a:ext>
@@ -5264,14 +5357,14 @@
           </a:ln>
           <a:extLst>
             <a:ext uri="{909E8E84-426E-40dd-AFC4-6F175D3DCCD1}">
-              <a14:hiddenFill xmlns="" xmlns:a14="http://schemas.microsoft.com/office/drawing/2010/main">
+              <a14:hiddenFill xmlns:a14="http://schemas.microsoft.com/office/drawing/2010/main" xmlns="">
                 <a:solidFill>
                   <a:srgbClr val="FFFFFF"/>
                 </a:solidFill>
               </a14:hiddenFill>
             </a:ext>
             <a:ext uri="{91240B29-F687-4f45-9708-019B960494DF}">
-              <a14:hiddenLine xmlns="" xmlns:a14="http://schemas.microsoft.com/office/drawing/2010/main" w="9525">
+              <a14:hiddenLine xmlns:a14="http://schemas.microsoft.com/office/drawing/2010/main" xmlns="" w="9525">
                 <a:solidFill>
                   <a:srgbClr val="000000"/>
                 </a:solidFill>
@@ -5532,7 +5625,7 @@
           </a:ln>
           <a:extLst>
             <a:ext uri="{909E8E84-426E-40dd-AFC4-6F175D3DCCD1}">
-              <a14:hiddenFill xmlns="" xmlns:a14="http://schemas.microsoft.com/office/drawing/2010/main">
+              <a14:hiddenFill xmlns:a14="http://schemas.microsoft.com/office/drawing/2010/main" xmlns="">
                 <a:noFill/>
               </a14:hiddenFill>
             </a:ext>
@@ -5581,14 +5674,14 @@
           </a:ln>
           <a:extLst>
             <a:ext uri="{909E8E84-426E-40dd-AFC4-6F175D3DCCD1}">
-              <a14:hiddenFill xmlns="" xmlns:a14="http://schemas.microsoft.com/office/drawing/2010/main">
+              <a14:hiddenFill xmlns:a14="http://schemas.microsoft.com/office/drawing/2010/main" xmlns="">
                 <a:solidFill>
                   <a:srgbClr val="FFFFFF"/>
                 </a:solidFill>
               </a14:hiddenFill>
             </a:ext>
             <a:ext uri="{91240B29-F687-4f45-9708-019B960494DF}">
-              <a14:hiddenLine xmlns="" xmlns:a14="http://schemas.microsoft.com/office/drawing/2010/main" w="9525">
+              <a14:hiddenLine xmlns:a14="http://schemas.microsoft.com/office/drawing/2010/main" xmlns="" w="9525">
                 <a:solidFill>
                   <a:srgbClr val="000000"/>
                 </a:solidFill>
@@ -6055,7 +6148,7 @@
           </a:ln>
           <a:extLst>
             <a:ext uri="{909E8E84-426E-40dd-AFC4-6F175D3DCCD1}">
-              <a14:hiddenFill xmlns="" xmlns:a14="http://schemas.microsoft.com/office/drawing/2010/main">
+              <a14:hiddenFill xmlns:a14="http://schemas.microsoft.com/office/drawing/2010/main" xmlns="">
                 <a:noFill/>
               </a14:hiddenFill>
             </a:ext>
@@ -6433,7 +6526,7 @@
           </a:ln>
           <a:extLst>
             <a:ext uri="{909E8E84-426E-40dd-AFC4-6F175D3DCCD1}">
-              <a14:hiddenFill xmlns="" xmlns:a14="http://schemas.microsoft.com/office/drawing/2010/main">
+              <a14:hiddenFill xmlns:a14="http://schemas.microsoft.com/office/drawing/2010/main" xmlns="">
                 <a:noFill/>
               </a14:hiddenFill>
             </a:ext>
@@ -6474,7 +6567,7 @@
           </a:ln>
           <a:extLst>
             <a:ext uri="{909E8E84-426E-40dd-AFC4-6F175D3DCCD1}">
-              <a14:hiddenFill xmlns="" xmlns:a14="http://schemas.microsoft.com/office/drawing/2010/main">
+              <a14:hiddenFill xmlns:a14="http://schemas.microsoft.com/office/drawing/2010/main" xmlns="">
                 <a:noFill/>
               </a14:hiddenFill>
             </a:ext>
@@ -6684,7 +6777,7 @@
           </a:ln>
           <a:extLst>
             <a:ext uri="{909E8E84-426E-40dd-AFC4-6F175D3DCCD1}">
-              <a14:hiddenFill xmlns="" xmlns:a14="http://schemas.microsoft.com/office/drawing/2010/main">
+              <a14:hiddenFill xmlns:a14="http://schemas.microsoft.com/office/drawing/2010/main" xmlns="">
                 <a:noFill/>
               </a14:hiddenFill>
             </a:ext>
@@ -6733,14 +6826,14 @@
           </a:ln>
           <a:extLst>
             <a:ext uri="{909E8E84-426E-40dd-AFC4-6F175D3DCCD1}">
-              <a14:hiddenFill xmlns="" xmlns:a14="http://schemas.microsoft.com/office/drawing/2010/main">
+              <a14:hiddenFill xmlns:a14="http://schemas.microsoft.com/office/drawing/2010/main" xmlns="">
                 <a:solidFill>
                   <a:srgbClr val="FFFFFF"/>
                 </a:solidFill>
               </a14:hiddenFill>
             </a:ext>
             <a:ext uri="{91240B29-F687-4f45-9708-019B960494DF}">
-              <a14:hiddenLine xmlns="" xmlns:a14="http://schemas.microsoft.com/office/drawing/2010/main" w="9525">
+              <a14:hiddenLine xmlns:a14="http://schemas.microsoft.com/office/drawing/2010/main" xmlns="" w="9525">
                 <a:solidFill>
                   <a:srgbClr val="000000"/>
                 </a:solidFill>
@@ -6969,7 +7062,7 @@
           </a:ln>
           <a:extLst>
             <a:ext uri="{909E8E84-426E-40dd-AFC4-6F175D3DCCD1}">
-              <a14:hiddenFill xmlns="" xmlns:a14="http://schemas.microsoft.com/office/drawing/2010/main">
+              <a14:hiddenFill xmlns:a14="http://schemas.microsoft.com/office/drawing/2010/main" xmlns="">
                 <a:noFill/>
               </a14:hiddenFill>
             </a:ext>
@@ -7220,7 +7313,7 @@
           </a:ln>
           <a:extLst>
             <a:ext uri="{909E8E84-426E-40dd-AFC4-6F175D3DCCD1}">
-              <a14:hiddenFill xmlns="" xmlns:a14="http://schemas.microsoft.com/office/drawing/2010/main">
+              <a14:hiddenFill xmlns:a14="http://schemas.microsoft.com/office/drawing/2010/main" xmlns="">
                 <a:noFill/>
               </a14:hiddenFill>
             </a:ext>
@@ -7269,14 +7362,14 @@
           </a:ln>
           <a:extLst>
             <a:ext uri="{909E8E84-426E-40dd-AFC4-6F175D3DCCD1}">
-              <a14:hiddenFill xmlns="" xmlns:a14="http://schemas.microsoft.com/office/drawing/2010/main">
+              <a14:hiddenFill xmlns:a14="http://schemas.microsoft.com/office/drawing/2010/main" xmlns="">
                 <a:solidFill>
                   <a:srgbClr val="FFFFFF"/>
                 </a:solidFill>
               </a14:hiddenFill>
             </a:ext>
             <a:ext uri="{91240B29-F687-4f45-9708-019B960494DF}">
-              <a14:hiddenLine xmlns="" xmlns:a14="http://schemas.microsoft.com/office/drawing/2010/main" w="9525">
+              <a14:hiddenLine xmlns:a14="http://schemas.microsoft.com/office/drawing/2010/main" xmlns="" w="9525">
                 <a:solidFill>
                   <a:srgbClr val="000000"/>
                 </a:solidFill>
@@ -7538,7 +7631,7 @@
           </a:ln>
           <a:extLst>
             <a:ext uri="{909E8E84-426E-40dd-AFC4-6F175D3DCCD1}">
-              <a14:hiddenFill xmlns="" xmlns:a14="http://schemas.microsoft.com/office/drawing/2010/main">
+              <a14:hiddenFill xmlns:a14="http://schemas.microsoft.com/office/drawing/2010/main" xmlns="">
                 <a:noFill/>
               </a14:hiddenFill>
             </a:ext>
@@ -7587,14 +7680,14 @@
           </a:ln>
           <a:extLst>
             <a:ext uri="{909E8E84-426E-40dd-AFC4-6F175D3DCCD1}">
-              <a14:hiddenFill xmlns="" xmlns:a14="http://schemas.microsoft.com/office/drawing/2010/main">
+              <a14:hiddenFill xmlns:a14="http://schemas.microsoft.com/office/drawing/2010/main" xmlns="">
                 <a:solidFill>
                   <a:srgbClr val="FFFFFF"/>
                 </a:solidFill>
               </a14:hiddenFill>
             </a:ext>
             <a:ext uri="{91240B29-F687-4f45-9708-019B960494DF}">
-              <a14:hiddenLine xmlns="" xmlns:a14="http://schemas.microsoft.com/office/drawing/2010/main" w="9525">
+              <a14:hiddenLine xmlns:a14="http://schemas.microsoft.com/office/drawing/2010/main" xmlns="" w="9525">
                 <a:solidFill>
                   <a:srgbClr val="000000"/>
                 </a:solidFill>
@@ -8230,7 +8323,7 @@
           </a:ln>
           <a:extLst>
             <a:ext uri="{909E8E84-426E-40dd-AFC4-6F175D3DCCD1}">
-              <a14:hiddenFill xmlns="" xmlns:a14="http://schemas.microsoft.com/office/drawing/2010/main">
+              <a14:hiddenFill xmlns:a14="http://schemas.microsoft.com/office/drawing/2010/main" xmlns="">
                 <a:noFill/>
               </a14:hiddenFill>
             </a:ext>
@@ -8271,7 +8364,7 @@
           </a:ln>
           <a:extLst>
             <a:ext uri="{909E8E84-426E-40dd-AFC4-6F175D3DCCD1}">
-              <a14:hiddenFill xmlns="" xmlns:a14="http://schemas.microsoft.com/office/drawing/2010/main">
+              <a14:hiddenFill xmlns:a14="http://schemas.microsoft.com/office/drawing/2010/main" xmlns="">
                 <a:noFill/>
               </a14:hiddenFill>
             </a:ext>
@@ -8414,17 +8507,17 @@
           <a:effectLst/>
           <a:extLst>
             <a:ext uri="{FAA26D3D-D897-4be2-8F04-BA451C77F1D7}">
-              <ma14:placeholderFlag xmlns:ma14="http://schemas.microsoft.com/office/mac/drawingml/2011/main" xmlns="" val="1"/>
+              <ma14:placeholderFlag xmlns="" xmlns:ma14="http://schemas.microsoft.com/office/mac/drawingml/2011/main" val="1"/>
             </a:ext>
             <a:ext uri="{909E8E84-426E-40dd-AFC4-6F175D3DCCD1}">
-              <a14:hiddenFill xmlns="" xmlns:a14="http://schemas.microsoft.com/office/drawing/2010/main">
+              <a14:hiddenFill xmlns:a14="http://schemas.microsoft.com/office/drawing/2010/main" xmlns="">
                 <a:solidFill>
                   <a:srgbClr val="FFFFFF"/>
                 </a:solidFill>
               </a14:hiddenFill>
             </a:ext>
             <a:ext uri="{91240B29-F687-4f45-9708-019B960494DF}">
-              <a14:hiddenLine xmlns="" xmlns:a14="http://schemas.microsoft.com/office/drawing/2010/main" w="12700">
+              <a14:hiddenLine xmlns:a14="http://schemas.microsoft.com/office/drawing/2010/main" xmlns="" w="12700">
                 <a:solidFill>
                   <a:schemeClr val="tx1"/>
                 </a:solidFill>
@@ -8434,7 +8527,7 @@
               </a14:hiddenLine>
             </a:ext>
             <a:ext uri="{AF507438-7753-43e0-B8FC-AC1667EBCBE1}">
-              <a14:hiddenEffects xmlns="" xmlns:a14="http://schemas.microsoft.com/office/drawing/2010/main">
+              <a14:hiddenEffects xmlns:a14="http://schemas.microsoft.com/office/drawing/2010/main" xmlns="">
                 <a:effectLst>
                   <a:outerShdw blurRad="63500" dist="38099" dir="2700000" algn="ctr" rotWithShape="0">
                     <a:srgbClr val="000000">
@@ -8492,17 +8585,17 @@
           <a:effectLst/>
           <a:extLst>
             <a:ext uri="{FAA26D3D-D897-4be2-8F04-BA451C77F1D7}">
-              <ma14:placeholderFlag xmlns:ma14="http://schemas.microsoft.com/office/mac/drawingml/2011/main" xmlns="" val="1"/>
+              <ma14:placeholderFlag xmlns="" xmlns:ma14="http://schemas.microsoft.com/office/mac/drawingml/2011/main" val="1"/>
             </a:ext>
             <a:ext uri="{909E8E84-426E-40dd-AFC4-6F175D3DCCD1}">
-              <a14:hiddenFill xmlns="" xmlns:a14="http://schemas.microsoft.com/office/drawing/2010/main">
+              <a14:hiddenFill xmlns:a14="http://schemas.microsoft.com/office/drawing/2010/main" xmlns="">
                 <a:solidFill>
                   <a:srgbClr val="FFFFFF"/>
                 </a:solidFill>
               </a14:hiddenFill>
             </a:ext>
             <a:ext uri="{91240B29-F687-4f45-9708-019B960494DF}">
-              <a14:hiddenLine xmlns="" xmlns:a14="http://schemas.microsoft.com/office/drawing/2010/main" w="12700">
+              <a14:hiddenLine xmlns:a14="http://schemas.microsoft.com/office/drawing/2010/main" xmlns="" w="12700">
                 <a:solidFill>
                   <a:schemeClr val="tx1"/>
                 </a:solidFill>
@@ -8512,7 +8605,7 @@
               </a14:hiddenLine>
             </a:ext>
             <a:ext uri="{AF507438-7753-43e0-B8FC-AC1667EBCBE1}">
-              <a14:hiddenEffects xmlns="" xmlns:a14="http://schemas.microsoft.com/office/drawing/2010/main">
+              <a14:hiddenEffects xmlns:a14="http://schemas.microsoft.com/office/drawing/2010/main" xmlns="">
                 <a:effectLst>
                   <a:outerShdw blurRad="63500" dist="38099" dir="2700000" algn="ctr" rotWithShape="0">
                     <a:srgbClr val="000000">
@@ -8606,14 +8699,14 @@
           <a:effectLst/>
           <a:extLst>
             <a:ext uri="{909E8E84-426E-40dd-AFC4-6F175D3DCCD1}">
-              <a14:hiddenFill xmlns="" xmlns:a14="http://schemas.microsoft.com/office/drawing/2010/main">
+              <a14:hiddenFill xmlns:a14="http://schemas.microsoft.com/office/drawing/2010/main" xmlns="">
                 <a:solidFill>
                   <a:srgbClr val="FFFFFF"/>
                 </a:solidFill>
               </a14:hiddenFill>
             </a:ext>
             <a:ext uri="{91240B29-F687-4f45-9708-019B960494DF}">
-              <a14:hiddenLine xmlns="" xmlns:a14="http://schemas.microsoft.com/office/drawing/2010/main" w="12700">
+              <a14:hiddenLine xmlns:a14="http://schemas.microsoft.com/office/drawing/2010/main" xmlns="" w="12700">
                 <a:solidFill>
                   <a:schemeClr val="tx1"/>
                 </a:solidFill>
@@ -8623,7 +8716,7 @@
               </a14:hiddenLine>
             </a:ext>
             <a:ext uri="{AF507438-7753-43e0-B8FC-AC1667EBCBE1}">
-              <a14:hiddenEffects xmlns="" xmlns:a14="http://schemas.microsoft.com/office/drawing/2010/main">
+              <a14:hiddenEffects xmlns:a14="http://schemas.microsoft.com/office/drawing/2010/main" xmlns="">
                 <a:effectLst>
                   <a:outerShdw blurRad="63500" dist="38099" dir="2700000" algn="ctr" rotWithShape="0">
                     <a:srgbClr val="000000">
@@ -9309,17 +9402,17 @@
           <a:effectLst/>
           <a:extLst>
             <a:ext uri="{FAA26D3D-D897-4be2-8F04-BA451C77F1D7}">
-              <ma14:placeholderFlag xmlns:ma14="http://schemas.microsoft.com/office/mac/drawingml/2011/main" xmlns="" val="1"/>
+              <ma14:placeholderFlag xmlns="" xmlns:ma14="http://schemas.microsoft.com/office/mac/drawingml/2011/main" val="1"/>
             </a:ext>
             <a:ext uri="{909E8E84-426E-40dd-AFC4-6F175D3DCCD1}">
-              <a14:hiddenFill xmlns="" xmlns:a14="http://schemas.microsoft.com/office/drawing/2010/main">
+              <a14:hiddenFill xmlns:a14="http://schemas.microsoft.com/office/drawing/2010/main" xmlns="">
                 <a:solidFill>
                   <a:srgbClr val="FFFFFF"/>
                 </a:solidFill>
               </a14:hiddenFill>
             </a:ext>
             <a:ext uri="{91240B29-F687-4f45-9708-019B960494DF}">
-              <a14:hiddenLine xmlns="" xmlns:a14="http://schemas.microsoft.com/office/drawing/2010/main" w="12700">
+              <a14:hiddenLine xmlns:a14="http://schemas.microsoft.com/office/drawing/2010/main" xmlns="" w="12700">
                 <a:solidFill>
                   <a:schemeClr val="tx1"/>
                 </a:solidFill>
@@ -9329,7 +9422,7 @@
               </a14:hiddenLine>
             </a:ext>
             <a:ext uri="{AF507438-7753-43e0-B8FC-AC1667EBCBE1}">
-              <a14:hiddenEffects xmlns="" xmlns:a14="http://schemas.microsoft.com/office/drawing/2010/main">
+              <a14:hiddenEffects xmlns:a14="http://schemas.microsoft.com/office/drawing/2010/main" xmlns="">
                 <a:effectLst>
                   <a:outerShdw blurRad="63500" dist="38099" dir="2700000" algn="ctr" rotWithShape="0">
                     <a:srgbClr val="000000">
@@ -9384,17 +9477,17 @@
           <a:effectLst/>
           <a:extLst>
             <a:ext uri="{FAA26D3D-D897-4be2-8F04-BA451C77F1D7}">
-              <ma14:placeholderFlag xmlns:ma14="http://schemas.microsoft.com/office/mac/drawingml/2011/main" xmlns="" val="1"/>
+              <ma14:placeholderFlag xmlns="" xmlns:ma14="http://schemas.microsoft.com/office/mac/drawingml/2011/main" val="1"/>
             </a:ext>
             <a:ext uri="{909E8E84-426E-40dd-AFC4-6F175D3DCCD1}">
-              <a14:hiddenFill xmlns="" xmlns:a14="http://schemas.microsoft.com/office/drawing/2010/main">
+              <a14:hiddenFill xmlns:a14="http://schemas.microsoft.com/office/drawing/2010/main" xmlns="">
                 <a:solidFill>
                   <a:srgbClr val="FFFFFF"/>
                 </a:solidFill>
               </a14:hiddenFill>
             </a:ext>
             <a:ext uri="{91240B29-F687-4f45-9708-019B960494DF}">
-              <a14:hiddenLine xmlns="" xmlns:a14="http://schemas.microsoft.com/office/drawing/2010/main" w="12700">
+              <a14:hiddenLine xmlns:a14="http://schemas.microsoft.com/office/drawing/2010/main" xmlns="" w="12700">
                 <a:solidFill>
                   <a:schemeClr val="tx1"/>
                 </a:solidFill>
@@ -9404,7 +9497,7 @@
               </a14:hiddenLine>
             </a:ext>
             <a:ext uri="{AF507438-7753-43e0-B8FC-AC1667EBCBE1}">
-              <a14:hiddenEffects xmlns="" xmlns:a14="http://schemas.microsoft.com/office/drawing/2010/main">
+              <a14:hiddenEffects xmlns:a14="http://schemas.microsoft.com/office/drawing/2010/main" xmlns="">
                 <a:effectLst>
                   <a:outerShdw blurRad="63500" dist="38099" dir="2700000" algn="ctr" rotWithShape="0">
                     <a:srgbClr val="000000">
@@ -9495,14 +9588,14 @@
           <a:effectLst/>
           <a:extLst>
             <a:ext uri="{909E8E84-426E-40dd-AFC4-6F175D3DCCD1}">
-              <a14:hiddenFill xmlns="" xmlns:a14="http://schemas.microsoft.com/office/drawing/2010/main">
+              <a14:hiddenFill xmlns:a14="http://schemas.microsoft.com/office/drawing/2010/main" xmlns="">
                 <a:solidFill>
                   <a:srgbClr val="FFFFFF"/>
                 </a:solidFill>
               </a14:hiddenFill>
             </a:ext>
             <a:ext uri="{91240B29-F687-4f45-9708-019B960494DF}">
-              <a14:hiddenLine xmlns="" xmlns:a14="http://schemas.microsoft.com/office/drawing/2010/main" w="12700">
+              <a14:hiddenLine xmlns:a14="http://schemas.microsoft.com/office/drawing/2010/main" xmlns="" w="12700">
                 <a:solidFill>
                   <a:schemeClr val="tx1"/>
                 </a:solidFill>
@@ -9512,7 +9605,7 @@
               </a14:hiddenLine>
             </a:ext>
             <a:ext uri="{AF507438-7753-43e0-B8FC-AC1667EBCBE1}">
-              <a14:hiddenEffects xmlns="" xmlns:a14="http://schemas.microsoft.com/office/drawing/2010/main">
+              <a14:hiddenEffects xmlns:a14="http://schemas.microsoft.com/office/drawing/2010/main" xmlns="">
                 <a:effectLst>
                   <a:outerShdw blurRad="63500" dist="38099" dir="2700000" algn="ctr" rotWithShape="0">
                     <a:srgbClr val="000000">
@@ -10207,17 +10300,17 @@
           <a:effectLst/>
           <a:extLst>
             <a:ext uri="{FAA26D3D-D897-4be2-8F04-BA451C77F1D7}">
-              <ma14:placeholderFlag xmlns:ma14="http://schemas.microsoft.com/office/mac/drawingml/2011/main" xmlns="" val="1"/>
+              <ma14:placeholderFlag xmlns="" xmlns:ma14="http://schemas.microsoft.com/office/mac/drawingml/2011/main" val="1"/>
             </a:ext>
             <a:ext uri="{909E8E84-426E-40dd-AFC4-6F175D3DCCD1}">
-              <a14:hiddenFill xmlns="" xmlns:a14="http://schemas.microsoft.com/office/drawing/2010/main">
+              <a14:hiddenFill xmlns:a14="http://schemas.microsoft.com/office/drawing/2010/main" xmlns="">
                 <a:solidFill>
                   <a:srgbClr val="FFFFFF"/>
                 </a:solidFill>
               </a14:hiddenFill>
             </a:ext>
             <a:ext uri="{91240B29-F687-4f45-9708-019B960494DF}">
-              <a14:hiddenLine xmlns="" xmlns:a14="http://schemas.microsoft.com/office/drawing/2010/main" w="12700">
+              <a14:hiddenLine xmlns:a14="http://schemas.microsoft.com/office/drawing/2010/main" xmlns="" w="12700">
                 <a:solidFill>
                   <a:schemeClr val="tx1"/>
                 </a:solidFill>
@@ -10227,7 +10320,7 @@
               </a14:hiddenLine>
             </a:ext>
             <a:ext uri="{AF507438-7753-43e0-B8FC-AC1667EBCBE1}">
-              <a14:hiddenEffects xmlns="" xmlns:a14="http://schemas.microsoft.com/office/drawing/2010/main">
+              <a14:hiddenEffects xmlns:a14="http://schemas.microsoft.com/office/drawing/2010/main" xmlns="">
                 <a:effectLst>
                   <a:outerShdw blurRad="63500" dist="38099" dir="2700000" algn="ctr" rotWithShape="0">
                     <a:srgbClr val="000000">
@@ -10282,17 +10375,17 @@
           <a:effectLst/>
           <a:extLst>
             <a:ext uri="{FAA26D3D-D897-4be2-8F04-BA451C77F1D7}">
-              <ma14:placeholderFlag xmlns:ma14="http://schemas.microsoft.com/office/mac/drawingml/2011/main" xmlns="" val="1"/>
+              <ma14:placeholderFlag xmlns="" xmlns:ma14="http://schemas.microsoft.com/office/mac/drawingml/2011/main" val="1"/>
             </a:ext>
             <a:ext uri="{909E8E84-426E-40dd-AFC4-6F175D3DCCD1}">
-              <a14:hiddenFill xmlns="" xmlns:a14="http://schemas.microsoft.com/office/drawing/2010/main">
+              <a14:hiddenFill xmlns:a14="http://schemas.microsoft.com/office/drawing/2010/main" xmlns="">
                 <a:solidFill>
                   <a:srgbClr val="FFFFFF"/>
                 </a:solidFill>
               </a14:hiddenFill>
             </a:ext>
             <a:ext uri="{91240B29-F687-4f45-9708-019B960494DF}">
-              <a14:hiddenLine xmlns="" xmlns:a14="http://schemas.microsoft.com/office/drawing/2010/main" w="12700">
+              <a14:hiddenLine xmlns:a14="http://schemas.microsoft.com/office/drawing/2010/main" xmlns="" w="12700">
                 <a:solidFill>
                   <a:schemeClr val="tx1"/>
                 </a:solidFill>
@@ -10302,7 +10395,7 @@
               </a14:hiddenLine>
             </a:ext>
             <a:ext uri="{AF507438-7753-43e0-B8FC-AC1667EBCBE1}">
-              <a14:hiddenEffects xmlns="" xmlns:a14="http://schemas.microsoft.com/office/drawing/2010/main">
+              <a14:hiddenEffects xmlns:a14="http://schemas.microsoft.com/office/drawing/2010/main" xmlns="">
                 <a:effectLst>
                   <a:outerShdw blurRad="63500" dist="38099" dir="2700000" algn="ctr" rotWithShape="0">
                     <a:srgbClr val="000000">
@@ -10393,14 +10486,14 @@
           <a:effectLst/>
           <a:extLst>
             <a:ext uri="{909E8E84-426E-40dd-AFC4-6F175D3DCCD1}">
-              <a14:hiddenFill xmlns="" xmlns:a14="http://schemas.microsoft.com/office/drawing/2010/main">
+              <a14:hiddenFill xmlns:a14="http://schemas.microsoft.com/office/drawing/2010/main" xmlns="">
                 <a:solidFill>
                   <a:srgbClr val="FFFFFF"/>
                 </a:solidFill>
               </a14:hiddenFill>
             </a:ext>
             <a:ext uri="{91240B29-F687-4f45-9708-019B960494DF}">
-              <a14:hiddenLine xmlns="" xmlns:a14="http://schemas.microsoft.com/office/drawing/2010/main" w="12700">
+              <a14:hiddenLine xmlns:a14="http://schemas.microsoft.com/office/drawing/2010/main" xmlns="" w="12700">
                 <a:solidFill>
                   <a:schemeClr val="tx1"/>
                 </a:solidFill>
@@ -10410,7 +10503,7 @@
               </a14:hiddenLine>
             </a:ext>
             <a:ext uri="{AF507438-7753-43e0-B8FC-AC1667EBCBE1}">
-              <a14:hiddenEffects xmlns="" xmlns:a14="http://schemas.microsoft.com/office/drawing/2010/main">
+              <a14:hiddenEffects xmlns:a14="http://schemas.microsoft.com/office/drawing/2010/main" xmlns="">
                 <a:effectLst>
                   <a:outerShdw blurRad="63500" dist="38099" dir="2700000" algn="ctr" rotWithShape="0">
                     <a:srgbClr val="000000">
@@ -11597,7 +11690,7 @@
                 <a:latin typeface="微软雅黑" panose="020B0503020204020204" pitchFamily="34" charset="-122"/>
                 <a:ea typeface="微软雅黑" panose="020B0503020204020204" pitchFamily="34" charset="-122"/>
               </a:rPr>
-              <a:t>1.2.3.4</a:t>
+              <a:t>10.249.253.46</a:t>
             </a:r>
           </a:p>
           <a:p>
@@ -11676,6 +11769,46 @@
                 <a:ea typeface="微软雅黑" panose="020B0503020204020204" pitchFamily="34" charset="-122"/>
               </a:rPr>
               <a:t>目录下自己名字对应的目录</a:t>
+            </a:r>
+            <a:endParaRPr lang="en-US" altLang="zh-CN" sz="3600" dirty="0">
+              <a:latin typeface="微软雅黑" panose="020B0503020204020204" pitchFamily="34" charset="-122"/>
+              <a:ea typeface="微软雅黑" panose="020B0503020204020204" pitchFamily="34" charset="-122"/>
+            </a:endParaRPr>
+          </a:p>
+          <a:p>
+            <a:pPr marL="520700" indent="-520700">
+              <a:lnSpc>
+                <a:spcPct val="120000"/>
+              </a:lnSpc>
+              <a:spcBef>
+                <a:spcPts val="1200"/>
+              </a:spcBef>
+              <a:buClr>
+                <a:schemeClr val="tx2"/>
+              </a:buClr>
+              <a:buFont typeface="Wingdings" charset="2"/>
+              <a:buChar char=""/>
+            </a:pPr>
+            <a:r>
+              <a:rPr lang="zh-CN" altLang="en-US" sz="3600" dirty="0">
+                <a:latin typeface="微软雅黑" panose="020B0503020204020204" pitchFamily="34" charset="-122"/>
+                <a:ea typeface="微软雅黑" panose="020B0503020204020204" pitchFamily="34" charset="-122"/>
+              </a:rPr>
+              <a:t>进入</a:t>
+            </a:r>
+            <a:r>
+              <a:rPr lang="en-US" altLang="zh-CN" sz="3600" dirty="0">
+                <a:latin typeface="微软雅黑" panose="020B0503020204020204" pitchFamily="34" charset="-122"/>
+                <a:ea typeface="微软雅黑" panose="020B0503020204020204" pitchFamily="34" charset="-122"/>
+              </a:rPr>
+              <a:t>ut-01-fizz-game</a:t>
+            </a:r>
+            <a:r>
+              <a:rPr lang="zh-CN" altLang="en-US" sz="3600" dirty="0">
+                <a:latin typeface="微软雅黑" panose="020B0503020204020204" pitchFamily="34" charset="-122"/>
+                <a:ea typeface="微软雅黑" panose="020B0503020204020204" pitchFamily="34" charset="-122"/>
+              </a:rPr>
+              <a:t>目录</a:t>
             </a:r>
             <a:endParaRPr lang="en-US" altLang="zh-CN" sz="3600" dirty="0">
               <a:latin typeface="微软雅黑" panose="020B0503020204020204" pitchFamily="34" charset="-122"/>
@@ -12425,7 +12558,7 @@
           </a:ln>
           <a:extLst>
             <a:ext uri="{91240B29-F687-4f45-9708-019B960494DF}">
-              <a14:hiddenLine xmlns="" xmlns:a14="http://schemas.microsoft.com/office/drawing/2010/main" w="25400" cap="flat" cmpd="sng" algn="ctr">
+              <a14:hiddenLine xmlns:a14="http://schemas.microsoft.com/office/drawing/2010/main" xmlns="" w="25400" cap="flat" cmpd="sng" algn="ctr">
                 <a:solidFill>
                   <a:srgbClr val="000000"/>
                 </a:solidFill>
@@ -12436,7 +12569,7 @@
               </a14:hiddenLine>
             </a:ext>
             <a:ext uri="{AF507438-7753-43e0-B8FC-AC1667EBCBE1}">
-              <a14:hiddenEffects xmlns="" xmlns:a14="http://schemas.microsoft.com/office/drawing/2010/main">
+              <a14:hiddenEffects xmlns:a14="http://schemas.microsoft.com/office/drawing/2010/main" xmlns="">
                 <a:effectLst>
                   <a:outerShdw blurRad="63500" dist="38099" dir="2700000" algn="ctr" rotWithShape="0">
                     <a:schemeClr val="bg2">
@@ -12484,7 +12617,7 @@
           </a:ln>
           <a:extLst>
             <a:ext uri="{91240B29-F687-4f45-9708-019B960494DF}">
-              <a14:hiddenLine xmlns="" xmlns:a14="http://schemas.microsoft.com/office/drawing/2010/main" w="25400" cap="flat" cmpd="sng" algn="ctr">
+              <a14:hiddenLine xmlns:a14="http://schemas.microsoft.com/office/drawing/2010/main" xmlns="" w="25400" cap="flat" cmpd="sng" algn="ctr">
                 <a:solidFill>
                   <a:srgbClr val="000000"/>
                 </a:solidFill>
@@ -12495,7 +12628,7 @@
               </a14:hiddenLine>
             </a:ext>
             <a:ext uri="{AF507438-7753-43e0-B8FC-AC1667EBCBE1}">
-              <a14:hiddenEffects xmlns="" xmlns:a14="http://schemas.microsoft.com/office/drawing/2010/main">
+              <a14:hiddenEffects xmlns:a14="http://schemas.microsoft.com/office/drawing/2010/main" xmlns="">
                 <a:effectLst>
                   <a:outerShdw blurRad="63500" dist="38099" dir="2700000" algn="ctr" rotWithShape="0">
                     <a:schemeClr val="bg2">
@@ -12544,7 +12677,7 @@
           </a:ln>
           <a:extLst>
             <a:ext uri="{91240B29-F687-4f45-9708-019B960494DF}">
-              <a14:hiddenLine xmlns="" xmlns:a14="http://schemas.microsoft.com/office/drawing/2010/main" w="25400" cap="flat" cmpd="sng" algn="ctr">
+              <a14:hiddenLine xmlns:a14="http://schemas.microsoft.com/office/drawing/2010/main" xmlns="" w="25400" cap="flat" cmpd="sng" algn="ctr">
                 <a:solidFill>
                   <a:srgbClr val="000000"/>
                 </a:solidFill>
@@ -12555,7 +12688,7 @@
               </a14:hiddenLine>
             </a:ext>
             <a:ext uri="{AF507438-7753-43e0-B8FC-AC1667EBCBE1}">
-              <a14:hiddenEffects xmlns="" xmlns:a14="http://schemas.microsoft.com/office/drawing/2010/main">
+              <a14:hiddenEffects xmlns:a14="http://schemas.microsoft.com/office/drawing/2010/main" xmlns="">
                 <a:effectLst>
                   <a:outerShdw blurRad="63500" dist="38099" dir="2700000" algn="ctr" rotWithShape="0">
                     <a:schemeClr val="bg2">
@@ -13706,7 +13839,7 @@
             <p:nvPr/>
           </p:nvPicPr>
           <p:blipFill>
-            <a:blip r:embed="rId2"/>
+            <a:blip r:embed="rId3"/>
             <a:stretch>
               <a:fillRect/>
             </a:stretch>
@@ -13742,7 +13875,7 @@
             </a:ln>
             <a:extLst>
               <a:ext uri="{91240B29-F687-4f45-9708-019B960494DF}">
-                <a14:hiddenLine xmlns="" xmlns:a14="http://schemas.microsoft.com/office/drawing/2010/main" w="25400" cap="flat" cmpd="sng" algn="ctr">
+                <a14:hiddenLine xmlns:a14="http://schemas.microsoft.com/office/drawing/2010/main" xmlns="" w="25400" cap="flat" cmpd="sng" algn="ctr">
                   <a:solidFill>
                     <a:srgbClr val="000000"/>
                   </a:solidFill>
@@ -13753,7 +13886,7 @@
                 </a14:hiddenLine>
               </a:ext>
               <a:ext uri="{AF507438-7753-43e0-B8FC-AC1667EBCBE1}">
-                <a14:hiddenEffects xmlns="" xmlns:a14="http://schemas.microsoft.com/office/drawing/2010/main">
+                <a14:hiddenEffects xmlns:a14="http://schemas.microsoft.com/office/drawing/2010/main" xmlns="">
                   <a:effectLst>
                     <a:outerShdw blurRad="63500" dist="38099" dir="2700000" algn="ctr" rotWithShape="0">
                       <a:schemeClr val="bg2">
@@ -13801,7 +13934,7 @@
             </a:ln>
             <a:extLst>
               <a:ext uri="{91240B29-F687-4f45-9708-019B960494DF}">
-                <a14:hiddenLine xmlns="" xmlns:a14="http://schemas.microsoft.com/office/drawing/2010/main" w="25400" cap="flat" cmpd="sng" algn="ctr">
+                <a14:hiddenLine xmlns:a14="http://schemas.microsoft.com/office/drawing/2010/main" xmlns="" w="25400" cap="flat" cmpd="sng" algn="ctr">
                   <a:solidFill>
                     <a:srgbClr val="000000"/>
                   </a:solidFill>
@@ -13812,7 +13945,7 @@
                 </a14:hiddenLine>
               </a:ext>
               <a:ext uri="{AF507438-7753-43e0-B8FC-AC1667EBCBE1}">
-                <a14:hiddenEffects xmlns="" xmlns:a14="http://schemas.microsoft.com/office/drawing/2010/main">
+                <a14:hiddenEffects xmlns:a14="http://schemas.microsoft.com/office/drawing/2010/main" xmlns="">
                   <a:effectLst>
                     <a:outerShdw blurRad="63500" dist="38099" dir="2700000" algn="ctr" rotWithShape="0">
                       <a:schemeClr val="bg2">
@@ -13863,7 +13996,7 @@
             <p:nvPr/>
           </p:nvPicPr>
           <p:blipFill>
-            <a:blip r:embed="rId3"/>
+            <a:blip r:embed="rId4"/>
             <a:stretch>
               <a:fillRect/>
             </a:stretch>
@@ -13913,7 +14046,7 @@
               </a:ln>
               <a:extLst>
                 <a:ext uri="{91240B29-F687-4f45-9708-019B960494DF}">
-                  <a14:hiddenLine xmlns="" xmlns:a14="http://schemas.microsoft.com/office/drawing/2010/main" w="25400" cap="flat" cmpd="sng" algn="ctr">
+                  <a14:hiddenLine xmlns:a14="http://schemas.microsoft.com/office/drawing/2010/main" xmlns="" w="25400" cap="flat" cmpd="sng" algn="ctr">
                     <a:solidFill>
                       <a:srgbClr val="000000"/>
                     </a:solidFill>
@@ -13924,7 +14057,7 @@
                   </a14:hiddenLine>
                 </a:ext>
                 <a:ext uri="{AF507438-7753-43e0-B8FC-AC1667EBCBE1}">
-                  <a14:hiddenEffects xmlns="" xmlns:a14="http://schemas.microsoft.com/office/drawing/2010/main">
+                  <a14:hiddenEffects xmlns:a14="http://schemas.microsoft.com/office/drawing/2010/main" xmlns="">
                     <a:effectLst>
                       <a:outerShdw blurRad="63500" dist="38099" dir="2700000" algn="ctr" rotWithShape="0">
                         <a:schemeClr val="bg2">
@@ -13972,7 +14105,7 @@
               </a:ln>
               <a:extLst>
                 <a:ext uri="{91240B29-F687-4f45-9708-019B960494DF}">
-                  <a14:hiddenLine xmlns="" xmlns:a14="http://schemas.microsoft.com/office/drawing/2010/main" w="25400" cap="flat" cmpd="sng" algn="ctr">
+                  <a14:hiddenLine xmlns:a14="http://schemas.microsoft.com/office/drawing/2010/main" xmlns="" w="25400" cap="flat" cmpd="sng" algn="ctr">
                     <a:solidFill>
                       <a:srgbClr val="000000"/>
                     </a:solidFill>
@@ -13983,7 +14116,7 @@
                   </a14:hiddenLine>
                 </a:ext>
                 <a:ext uri="{AF507438-7753-43e0-B8FC-AC1667EBCBE1}">
-                  <a14:hiddenEffects xmlns="" xmlns:a14="http://schemas.microsoft.com/office/drawing/2010/main">
+                  <a14:hiddenEffects xmlns:a14="http://schemas.microsoft.com/office/drawing/2010/main" xmlns="">
                     <a:effectLst>
                       <a:outerShdw blurRad="63500" dist="38099" dir="2700000" algn="ctr" rotWithShape="0">
                         <a:schemeClr val="bg2">
@@ -14276,7 +14409,7 @@
         </p:blipFill>
         <p:spPr>
           <a:xfrm>
-            <a:off x="381000" y="1705010"/>
+            <a:off x="381000" y="1923015"/>
             <a:ext cx="7638095" cy="6914286"/>
           </a:xfrm>
           <a:prstGeom prst="rect">
@@ -17335,7 +17468,7 @@
             <a:effectLst/>
             <a:extLst>
               <a:ext uri="{C572A759-6A51-4108-AA02-DFA0A04FC94B}">
-                <ma14:wrappingTextBoxFlag xmlns:ma14="http://schemas.microsoft.com/office/mac/drawingml/2011/main" xmlns="" val="1"/>
+                <ma14:wrappingTextBoxFlag xmlns="" xmlns:ma14="http://schemas.microsoft.com/office/mac/drawingml/2011/main" val="1"/>
               </a:ext>
             </a:extLst>
           </p:spPr>
@@ -17617,7 +17750,7 @@
             <a:effectLst/>
             <a:extLst>
               <a:ext uri="{C572A759-6A51-4108-AA02-DFA0A04FC94B}">
-                <ma14:wrappingTextBoxFlag xmlns:ma14="http://schemas.microsoft.com/office/mac/drawingml/2011/main" xmlns="" val="1"/>
+                <ma14:wrappingTextBoxFlag xmlns="" xmlns:ma14="http://schemas.microsoft.com/office/mac/drawingml/2011/main" val="1"/>
               </a:ext>
             </a:extLst>
           </p:spPr>
@@ -17857,7 +17990,7 @@
             <a:effectLst/>
             <a:extLst>
               <a:ext uri="{C572A759-6A51-4108-AA02-DFA0A04FC94B}">
-                <ma14:wrappingTextBoxFlag xmlns:ma14="http://schemas.microsoft.com/office/mac/drawingml/2011/main" xmlns="" val="1"/>
+                <ma14:wrappingTextBoxFlag xmlns="" xmlns:ma14="http://schemas.microsoft.com/office/mac/drawingml/2011/main" val="1"/>
               </a:ext>
             </a:extLst>
           </p:spPr>
@@ -18097,7 +18230,7 @@
             <a:effectLst/>
             <a:extLst>
               <a:ext uri="{C572A759-6A51-4108-AA02-DFA0A04FC94B}">
-                <ma14:wrappingTextBoxFlag xmlns:ma14="http://schemas.microsoft.com/office/mac/drawingml/2011/main" xmlns="" val="1"/>
+                <ma14:wrappingTextBoxFlag xmlns="" xmlns:ma14="http://schemas.microsoft.com/office/mac/drawingml/2011/main" val="1"/>
               </a:ext>
             </a:extLst>
           </p:spPr>
@@ -18215,7 +18348,7 @@
             <a:effectLst/>
             <a:extLst>
               <a:ext uri="{C572A759-6A51-4108-AA02-DFA0A04FC94B}">
-                <ma14:wrappingTextBoxFlag xmlns:ma14="http://schemas.microsoft.com/office/mac/drawingml/2011/main" xmlns="" val="1"/>
+                <ma14:wrappingTextBoxFlag xmlns="" xmlns:ma14="http://schemas.microsoft.com/office/mac/drawingml/2011/main" val="1"/>
               </a:ext>
             </a:extLst>
           </p:spPr>
@@ -18333,7 +18466,7 @@
             <a:effectLst/>
             <a:extLst>
               <a:ext uri="{C572A759-6A51-4108-AA02-DFA0A04FC94B}">
-                <ma14:wrappingTextBoxFlag xmlns:ma14="http://schemas.microsoft.com/office/mac/drawingml/2011/main" xmlns="" val="1"/>
+                <ma14:wrappingTextBoxFlag xmlns="" xmlns:ma14="http://schemas.microsoft.com/office/mac/drawingml/2011/main" val="1"/>
               </a:ext>
             </a:extLst>
           </p:spPr>
@@ -18451,7 +18584,7 @@
             <a:effectLst/>
             <a:extLst>
               <a:ext uri="{C572A759-6A51-4108-AA02-DFA0A04FC94B}">
-                <ma14:wrappingTextBoxFlag xmlns:ma14="http://schemas.microsoft.com/office/mac/drawingml/2011/main" xmlns="" val="1"/>
+                <ma14:wrappingTextBoxFlag xmlns="" xmlns:ma14="http://schemas.microsoft.com/office/mac/drawingml/2011/main" val="1"/>
               </a:ext>
             </a:extLst>
           </p:spPr>
@@ -18569,7 +18702,7 @@
             <a:effectLst/>
             <a:extLst>
               <a:ext uri="{C572A759-6A51-4108-AA02-DFA0A04FC94B}">
-                <ma14:wrappingTextBoxFlag xmlns:ma14="http://schemas.microsoft.com/office/mac/drawingml/2011/main" xmlns="" val="1"/>
+                <ma14:wrappingTextBoxFlag xmlns="" xmlns:ma14="http://schemas.microsoft.com/office/mac/drawingml/2011/main" val="1"/>
               </a:ext>
             </a:extLst>
           </p:spPr>
@@ -18687,7 +18820,7 @@
             <a:effectLst/>
             <a:extLst>
               <a:ext uri="{C572A759-6A51-4108-AA02-DFA0A04FC94B}">
-                <ma14:wrappingTextBoxFlag xmlns:ma14="http://schemas.microsoft.com/office/mac/drawingml/2011/main" xmlns="" val="1"/>
+                <ma14:wrappingTextBoxFlag xmlns="" xmlns:ma14="http://schemas.microsoft.com/office/mac/drawingml/2011/main" val="1"/>
               </a:ext>
             </a:extLst>
           </p:spPr>
@@ -18805,7 +18938,7 @@
             <a:effectLst/>
             <a:extLst>
               <a:ext uri="{C572A759-6A51-4108-AA02-DFA0A04FC94B}">
-                <ma14:wrappingTextBoxFlag xmlns:ma14="http://schemas.microsoft.com/office/mac/drawingml/2011/main" xmlns="" val="1"/>
+                <ma14:wrappingTextBoxFlag xmlns="" xmlns:ma14="http://schemas.microsoft.com/office/mac/drawingml/2011/main" val="1"/>
               </a:ext>
             </a:extLst>
           </p:spPr>
@@ -20343,7 +20476,7 @@
         <a:effectLst/>
         <a:extLst>
           <a:ext uri="{91240B29-F687-4f45-9708-019B960494DF}">
-            <a14:hiddenLine xmlns="" xmlns:a14="http://schemas.microsoft.com/office/drawing/2010/main" w="25400" cap="flat" cmpd="sng" algn="ctr">
+            <a14:hiddenLine xmlns:a14="http://schemas.microsoft.com/office/drawing/2010/main" xmlns="" w="25400" cap="flat" cmpd="sng" algn="ctr">
               <a:solidFill>
                 <a:srgbClr val="000000"/>
               </a:solidFill>
@@ -20354,7 +20487,7 @@
             </a14:hiddenLine>
           </a:ext>
           <a:ext uri="{AF507438-7753-43e0-B8FC-AC1667EBCBE1}">
-            <a14:hiddenEffects xmlns="" xmlns:a14="http://schemas.microsoft.com/office/drawing/2010/main">
+            <a14:hiddenEffects xmlns:a14="http://schemas.microsoft.com/office/drawing/2010/main" xmlns="">
               <a:effectLst>
                 <a:outerShdw blurRad="63500" dist="38099" dir="2700000" algn="ctr" rotWithShape="0">
                   <a:schemeClr val="bg2">
@@ -20730,7 +20863,7 @@
         <a:effectLst/>
         <a:extLst>
           <a:ext uri="{91240B29-F687-4f45-9708-019B960494DF}">
-            <a14:hiddenLine xmlns="" xmlns:a14="http://schemas.microsoft.com/office/drawing/2010/main" w="25400" cap="flat" cmpd="sng" algn="ctr">
+            <a14:hiddenLine xmlns:a14="http://schemas.microsoft.com/office/drawing/2010/main" xmlns="" w="25400" cap="flat" cmpd="sng" algn="ctr">
               <a:solidFill>
                 <a:srgbClr val="000000"/>
               </a:solidFill>
@@ -20741,7 +20874,7 @@
             </a14:hiddenLine>
           </a:ext>
           <a:ext uri="{AF507438-7753-43e0-B8FC-AC1667EBCBE1}">
-            <a14:hiddenEffects xmlns="" xmlns:a14="http://schemas.microsoft.com/office/drawing/2010/main">
+            <a14:hiddenEffects xmlns:a14="http://schemas.microsoft.com/office/drawing/2010/main" xmlns="">
               <a:effectLst>
                 <a:outerShdw blurRad="63500" dist="38099" dir="2700000" algn="ctr" rotWithShape="0">
                   <a:schemeClr val="bg2">
@@ -21117,7 +21250,7 @@
         <a:effectLst/>
         <a:extLst>
           <a:ext uri="{91240B29-F687-4f45-9708-019B960494DF}">
-            <a14:hiddenLine xmlns="" xmlns:a14="http://schemas.microsoft.com/office/drawing/2010/main" w="25400" cap="flat" cmpd="sng" algn="ctr">
+            <a14:hiddenLine xmlns:a14="http://schemas.microsoft.com/office/drawing/2010/main" xmlns="" w="25400" cap="flat" cmpd="sng" algn="ctr">
               <a:solidFill>
                 <a:srgbClr val="000000"/>
               </a:solidFill>
@@ -21128,7 +21261,7 @@
             </a14:hiddenLine>
           </a:ext>
           <a:ext uri="{AF507438-7753-43e0-B8FC-AC1667EBCBE1}">
-            <a14:hiddenEffects xmlns="" xmlns:a14="http://schemas.microsoft.com/office/drawing/2010/main">
+            <a14:hiddenEffects xmlns:a14="http://schemas.microsoft.com/office/drawing/2010/main" xmlns="">
               <a:effectLst>
                 <a:outerShdw blurRad="63500" dist="38099" dir="2700000" algn="ctr" rotWithShape="0">
                   <a:schemeClr val="bg2">

--- a/UT/session1/UT Workshop 1.pptx
+++ b/UT/session1/UT Workshop 1.pptx
@@ -7,7 +7,7 @@
     <p:sldMasterId id="2147483864" r:id="rId3"/>
   </p:sldMasterIdLst>
   <p:notesMasterIdLst>
-    <p:notesMasterId r:id="rId29"/>
+    <p:notesMasterId r:id="rId30"/>
   </p:notesMasterIdLst>
   <p:sldIdLst>
     <p:sldId id="262" r:id="rId4"/>
@@ -32,9 +32,10 @@
     <p:sldId id="304" r:id="rId23"/>
     <p:sldId id="305" r:id="rId24"/>
     <p:sldId id="292" r:id="rId25"/>
-    <p:sldId id="295" r:id="rId26"/>
-    <p:sldId id="297" r:id="rId27"/>
-    <p:sldId id="256" r:id="rId28"/>
+    <p:sldId id="310" r:id="rId26"/>
+    <p:sldId id="295" r:id="rId27"/>
+    <p:sldId id="297" r:id="rId28"/>
+    <p:sldId id="256" r:id="rId29"/>
   </p:sldIdLst>
   <p:sldSz cx="13004800" cy="9753600"/>
   <p:notesSz cx="6858000" cy="9144000"/>
@@ -755,7 +756,7 @@
           </a:ln>
           <a:extLst>
             <a:ext uri="{909E8E84-426E-40dd-AFC4-6F175D3DCCD1}">
-              <a14:hiddenFill xmlns:a14="http://schemas.microsoft.com/office/drawing/2010/main" xmlns="">
+              <a14:hiddenFill xmlns="" xmlns:a14="http://schemas.microsoft.com/office/drawing/2010/main">
                 <a:noFill/>
               </a14:hiddenFill>
             </a:ext>
@@ -799,7 +800,7 @@
           </a:ln>
           <a:extLst>
             <a:ext uri="{909E8E84-426E-40dd-AFC4-6F175D3DCCD1}">
-              <a14:hiddenFill xmlns:a14="http://schemas.microsoft.com/office/drawing/2010/main" xmlns="">
+              <a14:hiddenFill xmlns="" xmlns:a14="http://schemas.microsoft.com/office/drawing/2010/main">
                 <a:noFill/>
               </a14:hiddenFill>
             </a:ext>
@@ -848,14 +849,14 @@
           </a:ln>
           <a:extLst>
             <a:ext uri="{909E8E84-426E-40dd-AFC4-6F175D3DCCD1}">
-              <a14:hiddenFill xmlns:a14="http://schemas.microsoft.com/office/drawing/2010/main" xmlns="">
+              <a14:hiddenFill xmlns="" xmlns:a14="http://schemas.microsoft.com/office/drawing/2010/main">
                 <a:solidFill>
                   <a:srgbClr val="FFFFFF"/>
                 </a:solidFill>
               </a14:hiddenFill>
             </a:ext>
             <a:ext uri="{91240B29-F687-4f45-9708-019B960494DF}">
-              <a14:hiddenLine xmlns:a14="http://schemas.microsoft.com/office/drawing/2010/main" xmlns="" w="9525">
+              <a14:hiddenLine xmlns="" xmlns:a14="http://schemas.microsoft.com/office/drawing/2010/main" w="9525">
                 <a:solidFill>
                   <a:srgbClr val="000000"/>
                 </a:solidFill>
@@ -1200,7 +1201,7 @@
           </a:ln>
           <a:extLst>
             <a:ext uri="{909E8E84-426E-40dd-AFC4-6F175D3DCCD1}">
-              <a14:hiddenFill xmlns:a14="http://schemas.microsoft.com/office/drawing/2010/main" xmlns="">
+              <a14:hiddenFill xmlns="" xmlns:a14="http://schemas.microsoft.com/office/drawing/2010/main">
                 <a:noFill/>
               </a14:hiddenFill>
             </a:ext>
@@ -1249,14 +1250,14 @@
           </a:ln>
           <a:extLst>
             <a:ext uri="{909E8E84-426E-40dd-AFC4-6F175D3DCCD1}">
-              <a14:hiddenFill xmlns:a14="http://schemas.microsoft.com/office/drawing/2010/main" xmlns="">
+              <a14:hiddenFill xmlns="" xmlns:a14="http://schemas.microsoft.com/office/drawing/2010/main">
                 <a:solidFill>
                   <a:srgbClr val="FFFFFF"/>
                 </a:solidFill>
               </a14:hiddenFill>
             </a:ext>
             <a:ext uri="{91240B29-F687-4f45-9708-019B960494DF}">
-              <a14:hiddenLine xmlns:a14="http://schemas.microsoft.com/office/drawing/2010/main" xmlns="" w="9525">
+              <a14:hiddenLine xmlns="" xmlns:a14="http://schemas.microsoft.com/office/drawing/2010/main" w="9525">
                 <a:solidFill>
                   <a:srgbClr val="000000"/>
                 </a:solidFill>
@@ -1483,7 +1484,7 @@
           </a:ln>
           <a:extLst>
             <a:ext uri="{909E8E84-426E-40dd-AFC4-6F175D3DCCD1}">
-              <a14:hiddenFill xmlns:a14="http://schemas.microsoft.com/office/drawing/2010/main" xmlns="">
+              <a14:hiddenFill xmlns="" xmlns:a14="http://schemas.microsoft.com/office/drawing/2010/main">
                 <a:noFill/>
               </a14:hiddenFill>
             </a:ext>
@@ -1527,7 +1528,7 @@
           </a:ln>
           <a:extLst>
             <a:ext uri="{909E8E84-426E-40dd-AFC4-6F175D3DCCD1}">
-              <a14:hiddenFill xmlns:a14="http://schemas.microsoft.com/office/drawing/2010/main" xmlns="">
+              <a14:hiddenFill xmlns="" xmlns:a14="http://schemas.microsoft.com/office/drawing/2010/main">
                 <a:noFill/>
               </a14:hiddenFill>
             </a:ext>
@@ -1576,14 +1577,14 @@
           </a:ln>
           <a:extLst>
             <a:ext uri="{909E8E84-426E-40dd-AFC4-6F175D3DCCD1}">
-              <a14:hiddenFill xmlns:a14="http://schemas.microsoft.com/office/drawing/2010/main" xmlns="">
+              <a14:hiddenFill xmlns="" xmlns:a14="http://schemas.microsoft.com/office/drawing/2010/main">
                 <a:solidFill>
                   <a:srgbClr val="FFFFFF"/>
                 </a:solidFill>
               </a14:hiddenFill>
             </a:ext>
             <a:ext uri="{91240B29-F687-4f45-9708-019B960494DF}">
-              <a14:hiddenLine xmlns:a14="http://schemas.microsoft.com/office/drawing/2010/main" xmlns="" w="9525">
+              <a14:hiddenLine xmlns="" xmlns:a14="http://schemas.microsoft.com/office/drawing/2010/main" w="9525">
                 <a:solidFill>
                   <a:srgbClr val="000000"/>
                 </a:solidFill>
@@ -1855,7 +1856,7 @@
           </a:ln>
           <a:extLst>
             <a:ext uri="{909E8E84-426E-40dd-AFC4-6F175D3DCCD1}">
-              <a14:hiddenFill xmlns:a14="http://schemas.microsoft.com/office/drawing/2010/main" xmlns="">
+              <a14:hiddenFill xmlns="" xmlns:a14="http://schemas.microsoft.com/office/drawing/2010/main">
                 <a:noFill/>
               </a14:hiddenFill>
             </a:ext>
@@ -2058,7 +2059,7 @@
           </a:ln>
           <a:extLst>
             <a:ext uri="{909E8E84-426E-40dd-AFC4-6F175D3DCCD1}">
-              <a14:hiddenFill xmlns:a14="http://schemas.microsoft.com/office/drawing/2010/main" xmlns="">
+              <a14:hiddenFill xmlns="" xmlns:a14="http://schemas.microsoft.com/office/drawing/2010/main">
                 <a:noFill/>
               </a14:hiddenFill>
             </a:ext>
@@ -2266,7 +2267,7 @@
           </a:ln>
           <a:extLst>
             <a:ext uri="{909E8E84-426E-40dd-AFC4-6F175D3DCCD1}">
-              <a14:hiddenFill xmlns:a14="http://schemas.microsoft.com/office/drawing/2010/main" xmlns="">
+              <a14:hiddenFill xmlns="" xmlns:a14="http://schemas.microsoft.com/office/drawing/2010/main">
                 <a:noFill/>
               </a14:hiddenFill>
             </a:ext>
@@ -2515,7 +2516,7 @@
           </a:ln>
           <a:extLst>
             <a:ext uri="{909E8E84-426E-40dd-AFC4-6F175D3DCCD1}">
-              <a14:hiddenFill xmlns:a14="http://schemas.microsoft.com/office/drawing/2010/main" xmlns="">
+              <a14:hiddenFill xmlns="" xmlns:a14="http://schemas.microsoft.com/office/drawing/2010/main">
                 <a:noFill/>
               </a14:hiddenFill>
             </a:ext>
@@ -2564,14 +2565,14 @@
           </a:ln>
           <a:extLst>
             <a:ext uri="{909E8E84-426E-40dd-AFC4-6F175D3DCCD1}">
-              <a14:hiddenFill xmlns:a14="http://schemas.microsoft.com/office/drawing/2010/main" xmlns="">
+              <a14:hiddenFill xmlns="" xmlns:a14="http://schemas.microsoft.com/office/drawing/2010/main">
                 <a:solidFill>
                   <a:srgbClr val="FFFFFF"/>
                 </a:solidFill>
               </a14:hiddenFill>
             </a:ext>
             <a:ext uri="{91240B29-F687-4f45-9708-019B960494DF}">
-              <a14:hiddenLine xmlns:a14="http://schemas.microsoft.com/office/drawing/2010/main" xmlns="" w="9525">
+              <a14:hiddenLine xmlns="" xmlns:a14="http://schemas.microsoft.com/office/drawing/2010/main" w="9525">
                 <a:solidFill>
                   <a:srgbClr val="000000"/>
                 </a:solidFill>
@@ -2832,7 +2833,7 @@
           </a:ln>
           <a:extLst>
             <a:ext uri="{909E8E84-426E-40dd-AFC4-6F175D3DCCD1}">
-              <a14:hiddenFill xmlns:a14="http://schemas.microsoft.com/office/drawing/2010/main" xmlns="">
+              <a14:hiddenFill xmlns="" xmlns:a14="http://schemas.microsoft.com/office/drawing/2010/main">
                 <a:noFill/>
               </a14:hiddenFill>
             </a:ext>
@@ -2881,14 +2882,14 @@
           </a:ln>
           <a:extLst>
             <a:ext uri="{909E8E84-426E-40dd-AFC4-6F175D3DCCD1}">
-              <a14:hiddenFill xmlns:a14="http://schemas.microsoft.com/office/drawing/2010/main" xmlns="">
+              <a14:hiddenFill xmlns="" xmlns:a14="http://schemas.microsoft.com/office/drawing/2010/main">
                 <a:solidFill>
                   <a:srgbClr val="FFFFFF"/>
                 </a:solidFill>
               </a14:hiddenFill>
             </a:ext>
             <a:ext uri="{91240B29-F687-4f45-9708-019B960494DF}">
-              <a14:hiddenLine xmlns:a14="http://schemas.microsoft.com/office/drawing/2010/main" xmlns="" w="9525">
+              <a14:hiddenLine xmlns="" xmlns:a14="http://schemas.microsoft.com/office/drawing/2010/main" w="9525">
                 <a:solidFill>
                   <a:srgbClr val="000000"/>
                 </a:solidFill>
@@ -3529,7 +3530,7 @@
           </a:ln>
           <a:extLst>
             <a:ext uri="{909E8E84-426E-40dd-AFC4-6F175D3DCCD1}">
-              <a14:hiddenFill xmlns:a14="http://schemas.microsoft.com/office/drawing/2010/main" xmlns="">
+              <a14:hiddenFill xmlns="" xmlns:a14="http://schemas.microsoft.com/office/drawing/2010/main">
                 <a:noFill/>
               </a14:hiddenFill>
             </a:ext>
@@ -3722,7 +3723,7 @@
           </a:ln>
           <a:extLst>
             <a:ext uri="{909E8E84-426E-40dd-AFC4-6F175D3DCCD1}">
-              <a14:hiddenFill xmlns:a14="http://schemas.microsoft.com/office/drawing/2010/main" xmlns="">
+              <a14:hiddenFill xmlns="" xmlns:a14="http://schemas.microsoft.com/office/drawing/2010/main">
                 <a:noFill/>
               </a14:hiddenFill>
             </a:ext>
@@ -3763,7 +3764,7 @@
           </a:ln>
           <a:extLst>
             <a:ext uri="{909E8E84-426E-40dd-AFC4-6F175D3DCCD1}">
-              <a14:hiddenFill xmlns:a14="http://schemas.microsoft.com/office/drawing/2010/main" xmlns="">
+              <a14:hiddenFill xmlns="" xmlns:a14="http://schemas.microsoft.com/office/drawing/2010/main">
                 <a:noFill/>
               </a14:hiddenFill>
             </a:ext>
@@ -3973,7 +3974,7 @@
           </a:ln>
           <a:extLst>
             <a:ext uri="{909E8E84-426E-40dd-AFC4-6F175D3DCCD1}">
-              <a14:hiddenFill xmlns:a14="http://schemas.microsoft.com/office/drawing/2010/main" xmlns="">
+              <a14:hiddenFill xmlns="" xmlns:a14="http://schemas.microsoft.com/office/drawing/2010/main">
                 <a:noFill/>
               </a14:hiddenFill>
             </a:ext>
@@ -4022,14 +4023,14 @@
           </a:ln>
           <a:extLst>
             <a:ext uri="{909E8E84-426E-40dd-AFC4-6F175D3DCCD1}">
-              <a14:hiddenFill xmlns:a14="http://schemas.microsoft.com/office/drawing/2010/main" xmlns="">
+              <a14:hiddenFill xmlns="" xmlns:a14="http://schemas.microsoft.com/office/drawing/2010/main">
                 <a:solidFill>
                   <a:srgbClr val="FFFFFF"/>
                 </a:solidFill>
               </a14:hiddenFill>
             </a:ext>
             <a:ext uri="{91240B29-F687-4f45-9708-019B960494DF}">
-              <a14:hiddenLine xmlns:a14="http://schemas.microsoft.com/office/drawing/2010/main" xmlns="" w="9525">
+              <a14:hiddenLine xmlns="" xmlns:a14="http://schemas.microsoft.com/office/drawing/2010/main" w="9525">
                 <a:solidFill>
                   <a:srgbClr val="000000"/>
                 </a:solidFill>
@@ -4258,7 +4259,7 @@
           </a:ln>
           <a:extLst>
             <a:ext uri="{909E8E84-426E-40dd-AFC4-6F175D3DCCD1}">
-              <a14:hiddenFill xmlns:a14="http://schemas.microsoft.com/office/drawing/2010/main" xmlns="">
+              <a14:hiddenFill xmlns="" xmlns:a14="http://schemas.microsoft.com/office/drawing/2010/main">
                 <a:noFill/>
               </a14:hiddenFill>
             </a:ext>
@@ -4302,7 +4303,7 @@
           </a:ln>
           <a:extLst>
             <a:ext uri="{909E8E84-426E-40dd-AFC4-6F175D3DCCD1}">
-              <a14:hiddenFill xmlns:a14="http://schemas.microsoft.com/office/drawing/2010/main" xmlns="">
+              <a14:hiddenFill xmlns="" xmlns:a14="http://schemas.microsoft.com/office/drawing/2010/main">
                 <a:noFill/>
               </a14:hiddenFill>
             </a:ext>
@@ -4351,14 +4352,14 @@
           </a:ln>
           <a:extLst>
             <a:ext uri="{909E8E84-426E-40dd-AFC4-6F175D3DCCD1}">
-              <a14:hiddenFill xmlns:a14="http://schemas.microsoft.com/office/drawing/2010/main" xmlns="">
+              <a14:hiddenFill xmlns="" xmlns:a14="http://schemas.microsoft.com/office/drawing/2010/main">
                 <a:solidFill>
                   <a:srgbClr val="FFFFFF"/>
                 </a:solidFill>
               </a14:hiddenFill>
             </a:ext>
             <a:ext uri="{91240B29-F687-4f45-9708-019B960494DF}">
-              <a14:hiddenLine xmlns:a14="http://schemas.microsoft.com/office/drawing/2010/main" xmlns="" w="9525">
+              <a14:hiddenLine xmlns="" xmlns:a14="http://schemas.microsoft.com/office/drawing/2010/main" w="9525">
                 <a:solidFill>
                   <a:srgbClr val="000000"/>
                 </a:solidFill>
@@ -4630,7 +4631,7 @@
           </a:ln>
           <a:extLst>
             <a:ext uri="{909E8E84-426E-40dd-AFC4-6F175D3DCCD1}">
-              <a14:hiddenFill xmlns:a14="http://schemas.microsoft.com/office/drawing/2010/main" xmlns="">
+              <a14:hiddenFill xmlns="" xmlns:a14="http://schemas.microsoft.com/office/drawing/2010/main">
                 <a:noFill/>
               </a14:hiddenFill>
             </a:ext>
@@ -4842,7 +4843,7 @@
           </a:ln>
           <a:extLst>
             <a:ext uri="{909E8E84-426E-40dd-AFC4-6F175D3DCCD1}">
-              <a14:hiddenFill xmlns:a14="http://schemas.microsoft.com/office/drawing/2010/main" xmlns="">
+              <a14:hiddenFill xmlns="" xmlns:a14="http://schemas.microsoft.com/office/drawing/2010/main">
                 <a:noFill/>
               </a14:hiddenFill>
             </a:ext>
@@ -5059,7 +5060,7 @@
           </a:ln>
           <a:extLst>
             <a:ext uri="{909E8E84-426E-40dd-AFC4-6F175D3DCCD1}">
-              <a14:hiddenFill xmlns:a14="http://schemas.microsoft.com/office/drawing/2010/main" xmlns="">
+              <a14:hiddenFill xmlns="" xmlns:a14="http://schemas.microsoft.com/office/drawing/2010/main">
                 <a:noFill/>
               </a14:hiddenFill>
             </a:ext>
@@ -5308,7 +5309,7 @@
           </a:ln>
           <a:extLst>
             <a:ext uri="{909E8E84-426E-40dd-AFC4-6F175D3DCCD1}">
-              <a14:hiddenFill xmlns:a14="http://schemas.microsoft.com/office/drawing/2010/main" xmlns="">
+              <a14:hiddenFill xmlns="" xmlns:a14="http://schemas.microsoft.com/office/drawing/2010/main">
                 <a:noFill/>
               </a14:hiddenFill>
             </a:ext>
@@ -5357,14 +5358,14 @@
           </a:ln>
           <a:extLst>
             <a:ext uri="{909E8E84-426E-40dd-AFC4-6F175D3DCCD1}">
-              <a14:hiddenFill xmlns:a14="http://schemas.microsoft.com/office/drawing/2010/main" xmlns="">
+              <a14:hiddenFill xmlns="" xmlns:a14="http://schemas.microsoft.com/office/drawing/2010/main">
                 <a:solidFill>
                   <a:srgbClr val="FFFFFF"/>
                 </a:solidFill>
               </a14:hiddenFill>
             </a:ext>
             <a:ext uri="{91240B29-F687-4f45-9708-019B960494DF}">
-              <a14:hiddenLine xmlns:a14="http://schemas.microsoft.com/office/drawing/2010/main" xmlns="" w="9525">
+              <a14:hiddenLine xmlns="" xmlns:a14="http://schemas.microsoft.com/office/drawing/2010/main" w="9525">
                 <a:solidFill>
                   <a:srgbClr val="000000"/>
                 </a:solidFill>
@@ -5625,7 +5626,7 @@
           </a:ln>
           <a:extLst>
             <a:ext uri="{909E8E84-426E-40dd-AFC4-6F175D3DCCD1}">
-              <a14:hiddenFill xmlns:a14="http://schemas.microsoft.com/office/drawing/2010/main" xmlns="">
+              <a14:hiddenFill xmlns="" xmlns:a14="http://schemas.microsoft.com/office/drawing/2010/main">
                 <a:noFill/>
               </a14:hiddenFill>
             </a:ext>
@@ -5674,14 +5675,14 @@
           </a:ln>
           <a:extLst>
             <a:ext uri="{909E8E84-426E-40dd-AFC4-6F175D3DCCD1}">
-              <a14:hiddenFill xmlns:a14="http://schemas.microsoft.com/office/drawing/2010/main" xmlns="">
+              <a14:hiddenFill xmlns="" xmlns:a14="http://schemas.microsoft.com/office/drawing/2010/main">
                 <a:solidFill>
                   <a:srgbClr val="FFFFFF"/>
                 </a:solidFill>
               </a14:hiddenFill>
             </a:ext>
             <a:ext uri="{91240B29-F687-4f45-9708-019B960494DF}">
-              <a14:hiddenLine xmlns:a14="http://schemas.microsoft.com/office/drawing/2010/main" xmlns="" w="9525">
+              <a14:hiddenLine xmlns="" xmlns:a14="http://schemas.microsoft.com/office/drawing/2010/main" w="9525">
                 <a:solidFill>
                   <a:srgbClr val="000000"/>
                 </a:solidFill>
@@ -6148,7 +6149,7 @@
           </a:ln>
           <a:extLst>
             <a:ext uri="{909E8E84-426E-40dd-AFC4-6F175D3DCCD1}">
-              <a14:hiddenFill xmlns:a14="http://schemas.microsoft.com/office/drawing/2010/main" xmlns="">
+              <a14:hiddenFill xmlns="" xmlns:a14="http://schemas.microsoft.com/office/drawing/2010/main">
                 <a:noFill/>
               </a14:hiddenFill>
             </a:ext>
@@ -6526,7 +6527,7 @@
           </a:ln>
           <a:extLst>
             <a:ext uri="{909E8E84-426E-40dd-AFC4-6F175D3DCCD1}">
-              <a14:hiddenFill xmlns:a14="http://schemas.microsoft.com/office/drawing/2010/main" xmlns="">
+              <a14:hiddenFill xmlns="" xmlns:a14="http://schemas.microsoft.com/office/drawing/2010/main">
                 <a:noFill/>
               </a14:hiddenFill>
             </a:ext>
@@ -6567,7 +6568,7 @@
           </a:ln>
           <a:extLst>
             <a:ext uri="{909E8E84-426E-40dd-AFC4-6F175D3DCCD1}">
-              <a14:hiddenFill xmlns:a14="http://schemas.microsoft.com/office/drawing/2010/main" xmlns="">
+              <a14:hiddenFill xmlns="" xmlns:a14="http://schemas.microsoft.com/office/drawing/2010/main">
                 <a:noFill/>
               </a14:hiddenFill>
             </a:ext>
@@ -6777,7 +6778,7 @@
           </a:ln>
           <a:extLst>
             <a:ext uri="{909E8E84-426E-40dd-AFC4-6F175D3DCCD1}">
-              <a14:hiddenFill xmlns:a14="http://schemas.microsoft.com/office/drawing/2010/main" xmlns="">
+              <a14:hiddenFill xmlns="" xmlns:a14="http://schemas.microsoft.com/office/drawing/2010/main">
                 <a:noFill/>
               </a14:hiddenFill>
             </a:ext>
@@ -6826,14 +6827,14 @@
           </a:ln>
           <a:extLst>
             <a:ext uri="{909E8E84-426E-40dd-AFC4-6F175D3DCCD1}">
-              <a14:hiddenFill xmlns:a14="http://schemas.microsoft.com/office/drawing/2010/main" xmlns="">
+              <a14:hiddenFill xmlns="" xmlns:a14="http://schemas.microsoft.com/office/drawing/2010/main">
                 <a:solidFill>
                   <a:srgbClr val="FFFFFF"/>
                 </a:solidFill>
               </a14:hiddenFill>
             </a:ext>
             <a:ext uri="{91240B29-F687-4f45-9708-019B960494DF}">
-              <a14:hiddenLine xmlns:a14="http://schemas.microsoft.com/office/drawing/2010/main" xmlns="" w="9525">
+              <a14:hiddenLine xmlns="" xmlns:a14="http://schemas.microsoft.com/office/drawing/2010/main" w="9525">
                 <a:solidFill>
                   <a:srgbClr val="000000"/>
                 </a:solidFill>
@@ -7062,7 +7063,7 @@
           </a:ln>
           <a:extLst>
             <a:ext uri="{909E8E84-426E-40dd-AFC4-6F175D3DCCD1}">
-              <a14:hiddenFill xmlns:a14="http://schemas.microsoft.com/office/drawing/2010/main" xmlns="">
+              <a14:hiddenFill xmlns="" xmlns:a14="http://schemas.microsoft.com/office/drawing/2010/main">
                 <a:noFill/>
               </a14:hiddenFill>
             </a:ext>
@@ -7313,7 +7314,7 @@
           </a:ln>
           <a:extLst>
             <a:ext uri="{909E8E84-426E-40dd-AFC4-6F175D3DCCD1}">
-              <a14:hiddenFill xmlns:a14="http://schemas.microsoft.com/office/drawing/2010/main" xmlns="">
+              <a14:hiddenFill xmlns="" xmlns:a14="http://schemas.microsoft.com/office/drawing/2010/main">
                 <a:noFill/>
               </a14:hiddenFill>
             </a:ext>
@@ -7362,14 +7363,14 @@
           </a:ln>
           <a:extLst>
             <a:ext uri="{909E8E84-426E-40dd-AFC4-6F175D3DCCD1}">
-              <a14:hiddenFill xmlns:a14="http://schemas.microsoft.com/office/drawing/2010/main" xmlns="">
+              <a14:hiddenFill xmlns="" xmlns:a14="http://schemas.microsoft.com/office/drawing/2010/main">
                 <a:solidFill>
                   <a:srgbClr val="FFFFFF"/>
                 </a:solidFill>
               </a14:hiddenFill>
             </a:ext>
             <a:ext uri="{91240B29-F687-4f45-9708-019B960494DF}">
-              <a14:hiddenLine xmlns:a14="http://schemas.microsoft.com/office/drawing/2010/main" xmlns="" w="9525">
+              <a14:hiddenLine xmlns="" xmlns:a14="http://schemas.microsoft.com/office/drawing/2010/main" w="9525">
                 <a:solidFill>
                   <a:srgbClr val="000000"/>
                 </a:solidFill>
@@ -7631,7 +7632,7 @@
           </a:ln>
           <a:extLst>
             <a:ext uri="{909E8E84-426E-40dd-AFC4-6F175D3DCCD1}">
-              <a14:hiddenFill xmlns:a14="http://schemas.microsoft.com/office/drawing/2010/main" xmlns="">
+              <a14:hiddenFill xmlns="" xmlns:a14="http://schemas.microsoft.com/office/drawing/2010/main">
                 <a:noFill/>
               </a14:hiddenFill>
             </a:ext>
@@ -7680,14 +7681,14 @@
           </a:ln>
           <a:extLst>
             <a:ext uri="{909E8E84-426E-40dd-AFC4-6F175D3DCCD1}">
-              <a14:hiddenFill xmlns:a14="http://schemas.microsoft.com/office/drawing/2010/main" xmlns="">
+              <a14:hiddenFill xmlns="" xmlns:a14="http://schemas.microsoft.com/office/drawing/2010/main">
                 <a:solidFill>
                   <a:srgbClr val="FFFFFF"/>
                 </a:solidFill>
               </a14:hiddenFill>
             </a:ext>
             <a:ext uri="{91240B29-F687-4f45-9708-019B960494DF}">
-              <a14:hiddenLine xmlns:a14="http://schemas.microsoft.com/office/drawing/2010/main" xmlns="" w="9525">
+              <a14:hiddenLine xmlns="" xmlns:a14="http://schemas.microsoft.com/office/drawing/2010/main" w="9525">
                 <a:solidFill>
                   <a:srgbClr val="000000"/>
                 </a:solidFill>
@@ -8323,7 +8324,7 @@
           </a:ln>
           <a:extLst>
             <a:ext uri="{909E8E84-426E-40dd-AFC4-6F175D3DCCD1}">
-              <a14:hiddenFill xmlns:a14="http://schemas.microsoft.com/office/drawing/2010/main" xmlns="">
+              <a14:hiddenFill xmlns="" xmlns:a14="http://schemas.microsoft.com/office/drawing/2010/main">
                 <a:noFill/>
               </a14:hiddenFill>
             </a:ext>
@@ -8364,7 +8365,7 @@
           </a:ln>
           <a:extLst>
             <a:ext uri="{909E8E84-426E-40dd-AFC4-6F175D3DCCD1}">
-              <a14:hiddenFill xmlns:a14="http://schemas.microsoft.com/office/drawing/2010/main" xmlns="">
+              <a14:hiddenFill xmlns="" xmlns:a14="http://schemas.microsoft.com/office/drawing/2010/main">
                 <a:noFill/>
               </a14:hiddenFill>
             </a:ext>
@@ -8507,17 +8508,17 @@
           <a:effectLst/>
           <a:extLst>
             <a:ext uri="{FAA26D3D-D897-4be2-8F04-BA451C77F1D7}">
-              <ma14:placeholderFlag xmlns="" xmlns:ma14="http://schemas.microsoft.com/office/mac/drawingml/2011/main" val="1"/>
+              <ma14:placeholderFlag xmlns:ma14="http://schemas.microsoft.com/office/mac/drawingml/2011/main" xmlns="" val="1"/>
             </a:ext>
             <a:ext uri="{909E8E84-426E-40dd-AFC4-6F175D3DCCD1}">
-              <a14:hiddenFill xmlns:a14="http://schemas.microsoft.com/office/drawing/2010/main" xmlns="">
+              <a14:hiddenFill xmlns="" xmlns:a14="http://schemas.microsoft.com/office/drawing/2010/main">
                 <a:solidFill>
                   <a:srgbClr val="FFFFFF"/>
                 </a:solidFill>
               </a14:hiddenFill>
             </a:ext>
             <a:ext uri="{91240B29-F687-4f45-9708-019B960494DF}">
-              <a14:hiddenLine xmlns:a14="http://schemas.microsoft.com/office/drawing/2010/main" xmlns="" w="12700">
+              <a14:hiddenLine xmlns="" xmlns:a14="http://schemas.microsoft.com/office/drawing/2010/main" w="12700">
                 <a:solidFill>
                   <a:schemeClr val="tx1"/>
                 </a:solidFill>
@@ -8527,7 +8528,7 @@
               </a14:hiddenLine>
             </a:ext>
             <a:ext uri="{AF507438-7753-43e0-B8FC-AC1667EBCBE1}">
-              <a14:hiddenEffects xmlns:a14="http://schemas.microsoft.com/office/drawing/2010/main" xmlns="">
+              <a14:hiddenEffects xmlns="" xmlns:a14="http://schemas.microsoft.com/office/drawing/2010/main">
                 <a:effectLst>
                   <a:outerShdw blurRad="63500" dist="38099" dir="2700000" algn="ctr" rotWithShape="0">
                     <a:srgbClr val="000000">
@@ -8585,17 +8586,17 @@
           <a:effectLst/>
           <a:extLst>
             <a:ext uri="{FAA26D3D-D897-4be2-8F04-BA451C77F1D7}">
-              <ma14:placeholderFlag xmlns="" xmlns:ma14="http://schemas.microsoft.com/office/mac/drawingml/2011/main" val="1"/>
+              <ma14:placeholderFlag xmlns:ma14="http://schemas.microsoft.com/office/mac/drawingml/2011/main" xmlns="" val="1"/>
             </a:ext>
             <a:ext uri="{909E8E84-426E-40dd-AFC4-6F175D3DCCD1}">
-              <a14:hiddenFill xmlns:a14="http://schemas.microsoft.com/office/drawing/2010/main" xmlns="">
+              <a14:hiddenFill xmlns="" xmlns:a14="http://schemas.microsoft.com/office/drawing/2010/main">
                 <a:solidFill>
                   <a:srgbClr val="FFFFFF"/>
                 </a:solidFill>
               </a14:hiddenFill>
             </a:ext>
             <a:ext uri="{91240B29-F687-4f45-9708-019B960494DF}">
-              <a14:hiddenLine xmlns:a14="http://schemas.microsoft.com/office/drawing/2010/main" xmlns="" w="12700">
+              <a14:hiddenLine xmlns="" xmlns:a14="http://schemas.microsoft.com/office/drawing/2010/main" w="12700">
                 <a:solidFill>
                   <a:schemeClr val="tx1"/>
                 </a:solidFill>
@@ -8605,7 +8606,7 @@
               </a14:hiddenLine>
             </a:ext>
             <a:ext uri="{AF507438-7753-43e0-B8FC-AC1667EBCBE1}">
-              <a14:hiddenEffects xmlns:a14="http://schemas.microsoft.com/office/drawing/2010/main" xmlns="">
+              <a14:hiddenEffects xmlns="" xmlns:a14="http://schemas.microsoft.com/office/drawing/2010/main">
                 <a:effectLst>
                   <a:outerShdw blurRad="63500" dist="38099" dir="2700000" algn="ctr" rotWithShape="0">
                     <a:srgbClr val="000000">
@@ -8699,14 +8700,14 @@
           <a:effectLst/>
           <a:extLst>
             <a:ext uri="{909E8E84-426E-40dd-AFC4-6F175D3DCCD1}">
-              <a14:hiddenFill xmlns:a14="http://schemas.microsoft.com/office/drawing/2010/main" xmlns="">
+              <a14:hiddenFill xmlns="" xmlns:a14="http://schemas.microsoft.com/office/drawing/2010/main">
                 <a:solidFill>
                   <a:srgbClr val="FFFFFF"/>
                 </a:solidFill>
               </a14:hiddenFill>
             </a:ext>
             <a:ext uri="{91240B29-F687-4f45-9708-019B960494DF}">
-              <a14:hiddenLine xmlns:a14="http://schemas.microsoft.com/office/drawing/2010/main" xmlns="" w="12700">
+              <a14:hiddenLine xmlns="" xmlns:a14="http://schemas.microsoft.com/office/drawing/2010/main" w="12700">
                 <a:solidFill>
                   <a:schemeClr val="tx1"/>
                 </a:solidFill>
@@ -8716,7 +8717,7 @@
               </a14:hiddenLine>
             </a:ext>
             <a:ext uri="{AF507438-7753-43e0-B8FC-AC1667EBCBE1}">
-              <a14:hiddenEffects xmlns:a14="http://schemas.microsoft.com/office/drawing/2010/main" xmlns="">
+              <a14:hiddenEffects xmlns="" xmlns:a14="http://schemas.microsoft.com/office/drawing/2010/main">
                 <a:effectLst>
                   <a:outerShdw blurRad="63500" dist="38099" dir="2700000" algn="ctr" rotWithShape="0">
                     <a:srgbClr val="000000">
@@ -9402,17 +9403,17 @@
           <a:effectLst/>
           <a:extLst>
             <a:ext uri="{FAA26D3D-D897-4be2-8F04-BA451C77F1D7}">
-              <ma14:placeholderFlag xmlns="" xmlns:ma14="http://schemas.microsoft.com/office/mac/drawingml/2011/main" val="1"/>
+              <ma14:placeholderFlag xmlns:ma14="http://schemas.microsoft.com/office/mac/drawingml/2011/main" xmlns="" val="1"/>
             </a:ext>
             <a:ext uri="{909E8E84-426E-40dd-AFC4-6F175D3DCCD1}">
-              <a14:hiddenFill xmlns:a14="http://schemas.microsoft.com/office/drawing/2010/main" xmlns="">
+              <a14:hiddenFill xmlns="" xmlns:a14="http://schemas.microsoft.com/office/drawing/2010/main">
                 <a:solidFill>
                   <a:srgbClr val="FFFFFF"/>
                 </a:solidFill>
               </a14:hiddenFill>
             </a:ext>
             <a:ext uri="{91240B29-F687-4f45-9708-019B960494DF}">
-              <a14:hiddenLine xmlns:a14="http://schemas.microsoft.com/office/drawing/2010/main" xmlns="" w="12700">
+              <a14:hiddenLine xmlns="" xmlns:a14="http://schemas.microsoft.com/office/drawing/2010/main" w="12700">
                 <a:solidFill>
                   <a:schemeClr val="tx1"/>
                 </a:solidFill>
@@ -9422,7 +9423,7 @@
               </a14:hiddenLine>
             </a:ext>
             <a:ext uri="{AF507438-7753-43e0-B8FC-AC1667EBCBE1}">
-              <a14:hiddenEffects xmlns:a14="http://schemas.microsoft.com/office/drawing/2010/main" xmlns="">
+              <a14:hiddenEffects xmlns="" xmlns:a14="http://schemas.microsoft.com/office/drawing/2010/main">
                 <a:effectLst>
                   <a:outerShdw blurRad="63500" dist="38099" dir="2700000" algn="ctr" rotWithShape="0">
                     <a:srgbClr val="000000">
@@ -9477,17 +9478,17 @@
           <a:effectLst/>
           <a:extLst>
             <a:ext uri="{FAA26D3D-D897-4be2-8F04-BA451C77F1D7}">
-              <ma14:placeholderFlag xmlns="" xmlns:ma14="http://schemas.microsoft.com/office/mac/drawingml/2011/main" val="1"/>
+              <ma14:placeholderFlag xmlns:ma14="http://schemas.microsoft.com/office/mac/drawingml/2011/main" xmlns="" val="1"/>
             </a:ext>
             <a:ext uri="{909E8E84-426E-40dd-AFC4-6F175D3DCCD1}">
-              <a14:hiddenFill xmlns:a14="http://schemas.microsoft.com/office/drawing/2010/main" xmlns="">
+              <a14:hiddenFill xmlns="" xmlns:a14="http://schemas.microsoft.com/office/drawing/2010/main">
                 <a:solidFill>
                   <a:srgbClr val="FFFFFF"/>
                 </a:solidFill>
               </a14:hiddenFill>
             </a:ext>
             <a:ext uri="{91240B29-F687-4f45-9708-019B960494DF}">
-              <a14:hiddenLine xmlns:a14="http://schemas.microsoft.com/office/drawing/2010/main" xmlns="" w="12700">
+              <a14:hiddenLine xmlns="" xmlns:a14="http://schemas.microsoft.com/office/drawing/2010/main" w="12700">
                 <a:solidFill>
                   <a:schemeClr val="tx1"/>
                 </a:solidFill>
@@ -9497,7 +9498,7 @@
               </a14:hiddenLine>
             </a:ext>
             <a:ext uri="{AF507438-7753-43e0-B8FC-AC1667EBCBE1}">
-              <a14:hiddenEffects xmlns:a14="http://schemas.microsoft.com/office/drawing/2010/main" xmlns="">
+              <a14:hiddenEffects xmlns="" xmlns:a14="http://schemas.microsoft.com/office/drawing/2010/main">
                 <a:effectLst>
                   <a:outerShdw blurRad="63500" dist="38099" dir="2700000" algn="ctr" rotWithShape="0">
                     <a:srgbClr val="000000">
@@ -9588,14 +9589,14 @@
           <a:effectLst/>
           <a:extLst>
             <a:ext uri="{909E8E84-426E-40dd-AFC4-6F175D3DCCD1}">
-              <a14:hiddenFill xmlns:a14="http://schemas.microsoft.com/office/drawing/2010/main" xmlns="">
+              <a14:hiddenFill xmlns="" xmlns:a14="http://schemas.microsoft.com/office/drawing/2010/main">
                 <a:solidFill>
                   <a:srgbClr val="FFFFFF"/>
                 </a:solidFill>
               </a14:hiddenFill>
             </a:ext>
             <a:ext uri="{91240B29-F687-4f45-9708-019B960494DF}">
-              <a14:hiddenLine xmlns:a14="http://schemas.microsoft.com/office/drawing/2010/main" xmlns="" w="12700">
+              <a14:hiddenLine xmlns="" xmlns:a14="http://schemas.microsoft.com/office/drawing/2010/main" w="12700">
                 <a:solidFill>
                   <a:schemeClr val="tx1"/>
                 </a:solidFill>
@@ -9605,7 +9606,7 @@
               </a14:hiddenLine>
             </a:ext>
             <a:ext uri="{AF507438-7753-43e0-B8FC-AC1667EBCBE1}">
-              <a14:hiddenEffects xmlns:a14="http://schemas.microsoft.com/office/drawing/2010/main" xmlns="">
+              <a14:hiddenEffects xmlns="" xmlns:a14="http://schemas.microsoft.com/office/drawing/2010/main">
                 <a:effectLst>
                   <a:outerShdw blurRad="63500" dist="38099" dir="2700000" algn="ctr" rotWithShape="0">
                     <a:srgbClr val="000000">
@@ -10300,17 +10301,17 @@
           <a:effectLst/>
           <a:extLst>
             <a:ext uri="{FAA26D3D-D897-4be2-8F04-BA451C77F1D7}">
-              <ma14:placeholderFlag xmlns="" xmlns:ma14="http://schemas.microsoft.com/office/mac/drawingml/2011/main" val="1"/>
+              <ma14:placeholderFlag xmlns:ma14="http://schemas.microsoft.com/office/mac/drawingml/2011/main" xmlns="" val="1"/>
             </a:ext>
             <a:ext uri="{909E8E84-426E-40dd-AFC4-6F175D3DCCD1}">
-              <a14:hiddenFill xmlns:a14="http://schemas.microsoft.com/office/drawing/2010/main" xmlns="">
+              <a14:hiddenFill xmlns="" xmlns:a14="http://schemas.microsoft.com/office/drawing/2010/main">
                 <a:solidFill>
                   <a:srgbClr val="FFFFFF"/>
                 </a:solidFill>
               </a14:hiddenFill>
             </a:ext>
             <a:ext uri="{91240B29-F687-4f45-9708-019B960494DF}">
-              <a14:hiddenLine xmlns:a14="http://schemas.microsoft.com/office/drawing/2010/main" xmlns="" w="12700">
+              <a14:hiddenLine xmlns="" xmlns:a14="http://schemas.microsoft.com/office/drawing/2010/main" w="12700">
                 <a:solidFill>
                   <a:schemeClr val="tx1"/>
                 </a:solidFill>
@@ -10320,7 +10321,7 @@
               </a14:hiddenLine>
             </a:ext>
             <a:ext uri="{AF507438-7753-43e0-B8FC-AC1667EBCBE1}">
-              <a14:hiddenEffects xmlns:a14="http://schemas.microsoft.com/office/drawing/2010/main" xmlns="">
+              <a14:hiddenEffects xmlns="" xmlns:a14="http://schemas.microsoft.com/office/drawing/2010/main">
                 <a:effectLst>
                   <a:outerShdw blurRad="63500" dist="38099" dir="2700000" algn="ctr" rotWithShape="0">
                     <a:srgbClr val="000000">
@@ -10375,17 +10376,17 @@
           <a:effectLst/>
           <a:extLst>
             <a:ext uri="{FAA26D3D-D897-4be2-8F04-BA451C77F1D7}">
-              <ma14:placeholderFlag xmlns="" xmlns:ma14="http://schemas.microsoft.com/office/mac/drawingml/2011/main" val="1"/>
+              <ma14:placeholderFlag xmlns:ma14="http://schemas.microsoft.com/office/mac/drawingml/2011/main" xmlns="" val="1"/>
             </a:ext>
             <a:ext uri="{909E8E84-426E-40dd-AFC4-6F175D3DCCD1}">
-              <a14:hiddenFill xmlns:a14="http://schemas.microsoft.com/office/drawing/2010/main" xmlns="">
+              <a14:hiddenFill xmlns="" xmlns:a14="http://schemas.microsoft.com/office/drawing/2010/main">
                 <a:solidFill>
                   <a:srgbClr val="FFFFFF"/>
                 </a:solidFill>
               </a14:hiddenFill>
             </a:ext>
             <a:ext uri="{91240B29-F687-4f45-9708-019B960494DF}">
-              <a14:hiddenLine xmlns:a14="http://schemas.microsoft.com/office/drawing/2010/main" xmlns="" w="12700">
+              <a14:hiddenLine xmlns="" xmlns:a14="http://schemas.microsoft.com/office/drawing/2010/main" w="12700">
                 <a:solidFill>
                   <a:schemeClr val="tx1"/>
                 </a:solidFill>
@@ -10395,7 +10396,7 @@
               </a14:hiddenLine>
             </a:ext>
             <a:ext uri="{AF507438-7753-43e0-B8FC-AC1667EBCBE1}">
-              <a14:hiddenEffects xmlns:a14="http://schemas.microsoft.com/office/drawing/2010/main" xmlns="">
+              <a14:hiddenEffects xmlns="" xmlns:a14="http://schemas.microsoft.com/office/drawing/2010/main">
                 <a:effectLst>
                   <a:outerShdw blurRad="63500" dist="38099" dir="2700000" algn="ctr" rotWithShape="0">
                     <a:srgbClr val="000000">
@@ -10486,14 +10487,14 @@
           <a:effectLst/>
           <a:extLst>
             <a:ext uri="{909E8E84-426E-40dd-AFC4-6F175D3DCCD1}">
-              <a14:hiddenFill xmlns:a14="http://schemas.microsoft.com/office/drawing/2010/main" xmlns="">
+              <a14:hiddenFill xmlns="" xmlns:a14="http://schemas.microsoft.com/office/drawing/2010/main">
                 <a:solidFill>
                   <a:srgbClr val="FFFFFF"/>
                 </a:solidFill>
               </a14:hiddenFill>
             </a:ext>
             <a:ext uri="{91240B29-F687-4f45-9708-019B960494DF}">
-              <a14:hiddenLine xmlns:a14="http://schemas.microsoft.com/office/drawing/2010/main" xmlns="" w="12700">
+              <a14:hiddenLine xmlns="" xmlns:a14="http://schemas.microsoft.com/office/drawing/2010/main" w="12700">
                 <a:solidFill>
                   <a:schemeClr val="tx1"/>
                 </a:solidFill>
@@ -10503,7 +10504,7 @@
               </a14:hiddenLine>
             </a:ext>
             <a:ext uri="{AF507438-7753-43e0-B8FC-AC1667EBCBE1}">
-              <a14:hiddenEffects xmlns:a14="http://schemas.microsoft.com/office/drawing/2010/main" xmlns="">
+              <a14:hiddenEffects xmlns="" xmlns:a14="http://schemas.microsoft.com/office/drawing/2010/main">
                 <a:effectLst>
                   <a:outerShdw blurRad="63500" dist="38099" dir="2700000" algn="ctr" rotWithShape="0">
                     <a:srgbClr val="000000">
@@ -12558,7 +12559,7 @@
           </a:ln>
           <a:extLst>
             <a:ext uri="{91240B29-F687-4f45-9708-019B960494DF}">
-              <a14:hiddenLine xmlns:a14="http://schemas.microsoft.com/office/drawing/2010/main" xmlns="" w="25400" cap="flat" cmpd="sng" algn="ctr">
+              <a14:hiddenLine xmlns="" xmlns:a14="http://schemas.microsoft.com/office/drawing/2010/main" w="25400" cap="flat" cmpd="sng" algn="ctr">
                 <a:solidFill>
                   <a:srgbClr val="000000"/>
                 </a:solidFill>
@@ -12569,7 +12570,7 @@
               </a14:hiddenLine>
             </a:ext>
             <a:ext uri="{AF507438-7753-43e0-B8FC-AC1667EBCBE1}">
-              <a14:hiddenEffects xmlns:a14="http://schemas.microsoft.com/office/drawing/2010/main" xmlns="">
+              <a14:hiddenEffects xmlns="" xmlns:a14="http://schemas.microsoft.com/office/drawing/2010/main">
                 <a:effectLst>
                   <a:outerShdw blurRad="63500" dist="38099" dir="2700000" algn="ctr" rotWithShape="0">
                     <a:schemeClr val="bg2">
@@ -12617,7 +12618,7 @@
           </a:ln>
           <a:extLst>
             <a:ext uri="{91240B29-F687-4f45-9708-019B960494DF}">
-              <a14:hiddenLine xmlns:a14="http://schemas.microsoft.com/office/drawing/2010/main" xmlns="" w="25400" cap="flat" cmpd="sng" algn="ctr">
+              <a14:hiddenLine xmlns="" xmlns:a14="http://schemas.microsoft.com/office/drawing/2010/main" w="25400" cap="flat" cmpd="sng" algn="ctr">
                 <a:solidFill>
                   <a:srgbClr val="000000"/>
                 </a:solidFill>
@@ -12628,7 +12629,7 @@
               </a14:hiddenLine>
             </a:ext>
             <a:ext uri="{AF507438-7753-43e0-B8FC-AC1667EBCBE1}">
-              <a14:hiddenEffects xmlns:a14="http://schemas.microsoft.com/office/drawing/2010/main" xmlns="">
+              <a14:hiddenEffects xmlns="" xmlns:a14="http://schemas.microsoft.com/office/drawing/2010/main">
                 <a:effectLst>
                   <a:outerShdw blurRad="63500" dist="38099" dir="2700000" algn="ctr" rotWithShape="0">
                     <a:schemeClr val="bg2">
@@ -12677,7 +12678,7 @@
           </a:ln>
           <a:extLst>
             <a:ext uri="{91240B29-F687-4f45-9708-019B960494DF}">
-              <a14:hiddenLine xmlns:a14="http://schemas.microsoft.com/office/drawing/2010/main" xmlns="" w="25400" cap="flat" cmpd="sng" algn="ctr">
+              <a14:hiddenLine xmlns="" xmlns:a14="http://schemas.microsoft.com/office/drawing/2010/main" w="25400" cap="flat" cmpd="sng" algn="ctr">
                 <a:solidFill>
                   <a:srgbClr val="000000"/>
                 </a:solidFill>
@@ -12688,7 +12689,7 @@
               </a14:hiddenLine>
             </a:ext>
             <a:ext uri="{AF507438-7753-43e0-B8FC-AC1667EBCBE1}">
-              <a14:hiddenEffects xmlns:a14="http://schemas.microsoft.com/office/drawing/2010/main" xmlns="">
+              <a14:hiddenEffects xmlns="" xmlns:a14="http://schemas.microsoft.com/office/drawing/2010/main">
                 <a:effectLst>
                   <a:outerShdw blurRad="63500" dist="38099" dir="2700000" algn="ctr" rotWithShape="0">
                     <a:schemeClr val="bg2">
@@ -13875,7 +13876,7 @@
             </a:ln>
             <a:extLst>
               <a:ext uri="{91240B29-F687-4f45-9708-019B960494DF}">
-                <a14:hiddenLine xmlns:a14="http://schemas.microsoft.com/office/drawing/2010/main" xmlns="" w="25400" cap="flat" cmpd="sng" algn="ctr">
+                <a14:hiddenLine xmlns="" xmlns:a14="http://schemas.microsoft.com/office/drawing/2010/main" w="25400" cap="flat" cmpd="sng" algn="ctr">
                   <a:solidFill>
                     <a:srgbClr val="000000"/>
                   </a:solidFill>
@@ -13886,7 +13887,7 @@
                 </a14:hiddenLine>
               </a:ext>
               <a:ext uri="{AF507438-7753-43e0-B8FC-AC1667EBCBE1}">
-                <a14:hiddenEffects xmlns:a14="http://schemas.microsoft.com/office/drawing/2010/main" xmlns="">
+                <a14:hiddenEffects xmlns="" xmlns:a14="http://schemas.microsoft.com/office/drawing/2010/main">
                   <a:effectLst>
                     <a:outerShdw blurRad="63500" dist="38099" dir="2700000" algn="ctr" rotWithShape="0">
                       <a:schemeClr val="bg2">
@@ -13934,7 +13935,7 @@
             </a:ln>
             <a:extLst>
               <a:ext uri="{91240B29-F687-4f45-9708-019B960494DF}">
-                <a14:hiddenLine xmlns:a14="http://schemas.microsoft.com/office/drawing/2010/main" xmlns="" w="25400" cap="flat" cmpd="sng" algn="ctr">
+                <a14:hiddenLine xmlns="" xmlns:a14="http://schemas.microsoft.com/office/drawing/2010/main" w="25400" cap="flat" cmpd="sng" algn="ctr">
                   <a:solidFill>
                     <a:srgbClr val="000000"/>
                   </a:solidFill>
@@ -13945,7 +13946,7 @@
                 </a14:hiddenLine>
               </a:ext>
               <a:ext uri="{AF507438-7753-43e0-B8FC-AC1667EBCBE1}">
-                <a14:hiddenEffects xmlns:a14="http://schemas.microsoft.com/office/drawing/2010/main" xmlns="">
+                <a14:hiddenEffects xmlns="" xmlns:a14="http://schemas.microsoft.com/office/drawing/2010/main">
                   <a:effectLst>
                     <a:outerShdw blurRad="63500" dist="38099" dir="2700000" algn="ctr" rotWithShape="0">
                       <a:schemeClr val="bg2">
@@ -14046,7 +14047,7 @@
               </a:ln>
               <a:extLst>
                 <a:ext uri="{91240B29-F687-4f45-9708-019B960494DF}">
-                  <a14:hiddenLine xmlns:a14="http://schemas.microsoft.com/office/drawing/2010/main" xmlns="" w="25400" cap="flat" cmpd="sng" algn="ctr">
+                  <a14:hiddenLine xmlns="" xmlns:a14="http://schemas.microsoft.com/office/drawing/2010/main" w="25400" cap="flat" cmpd="sng" algn="ctr">
                     <a:solidFill>
                       <a:srgbClr val="000000"/>
                     </a:solidFill>
@@ -14057,7 +14058,7 @@
                   </a14:hiddenLine>
                 </a:ext>
                 <a:ext uri="{AF507438-7753-43e0-B8FC-AC1667EBCBE1}">
-                  <a14:hiddenEffects xmlns:a14="http://schemas.microsoft.com/office/drawing/2010/main" xmlns="">
+                  <a14:hiddenEffects xmlns="" xmlns:a14="http://schemas.microsoft.com/office/drawing/2010/main">
                     <a:effectLst>
                       <a:outerShdw blurRad="63500" dist="38099" dir="2700000" algn="ctr" rotWithShape="0">
                         <a:schemeClr val="bg2">
@@ -14105,7 +14106,7 @@
               </a:ln>
               <a:extLst>
                 <a:ext uri="{91240B29-F687-4f45-9708-019B960494DF}">
-                  <a14:hiddenLine xmlns:a14="http://schemas.microsoft.com/office/drawing/2010/main" xmlns="" w="25400" cap="flat" cmpd="sng" algn="ctr">
+                  <a14:hiddenLine xmlns="" xmlns:a14="http://schemas.microsoft.com/office/drawing/2010/main" w="25400" cap="flat" cmpd="sng" algn="ctr">
                     <a:solidFill>
                       <a:srgbClr val="000000"/>
                     </a:solidFill>
@@ -14116,7 +14117,7 @@
                   </a14:hiddenLine>
                 </a:ext>
                 <a:ext uri="{AF507438-7753-43e0-B8FC-AC1667EBCBE1}">
-                  <a14:hiddenEffects xmlns:a14="http://schemas.microsoft.com/office/drawing/2010/main" xmlns="">
+                  <a14:hiddenEffects xmlns="" xmlns:a14="http://schemas.microsoft.com/office/drawing/2010/main">
                     <a:effectLst>
                       <a:outerShdw blurRad="63500" dist="38099" dir="2700000" algn="ctr" rotWithShape="0">
                         <a:schemeClr val="bg2">
@@ -15333,6 +15334,512 @@
           <a:chExt cx="0" cy="0"/>
         </a:xfrm>
       </p:grpSpPr>
+      <p:sp>
+        <p:nvSpPr>
+          <p:cNvPr id="2" name="标题 1"/>
+          <p:cNvSpPr>
+            <a:spLocks noGrp="1"/>
+          </p:cNvSpPr>
+          <p:nvPr>
+            <p:ph type="title"/>
+          </p:nvPr>
+        </p:nvSpPr>
+        <p:spPr/>
+        <p:txBody>
+          <a:bodyPr/>
+          <a:lstStyle/>
+          <a:p>
+            <a:pPr algn="ctr"/>
+            <a:r>
+              <a:rPr lang="en-US" altLang="zh-Hans" dirty="0">
+                <a:latin typeface="微软雅黑" panose="020B0503020204020204" pitchFamily="34" charset="-122"/>
+                <a:ea typeface="微软雅黑" panose="020B0503020204020204" pitchFamily="34" charset="-122"/>
+              </a:rPr>
+              <a:t>Applying Rules</a:t>
+            </a:r>
+            <a:endParaRPr lang="zh-Hans" altLang="en-US" dirty="0">
+              <a:latin typeface="微软雅黑" panose="020B0503020204020204" pitchFamily="34" charset="-122"/>
+              <a:ea typeface="微软雅黑" panose="020B0503020204020204" pitchFamily="34" charset="-122"/>
+            </a:endParaRPr>
+          </a:p>
+        </p:txBody>
+      </p:sp>
+      <p:sp>
+        <p:nvSpPr>
+          <p:cNvPr id="4" name="灯片编号占位符 3"/>
+          <p:cNvSpPr>
+            <a:spLocks noGrp="1"/>
+          </p:cNvSpPr>
+          <p:nvPr>
+            <p:ph type="sldNum" sz="quarter" idx="10"/>
+          </p:nvPr>
+        </p:nvSpPr>
+        <p:spPr/>
+        <p:txBody>
+          <a:bodyPr/>
+          <a:lstStyle/>
+          <a:p>
+            <a:pPr>
+              <a:defRPr/>
+            </a:pPr>
+            <a:fld id="{47194DCD-506D-1D43-A52D-140307FFEF14}" type="slidenum">
+              <a:rPr lang="en-US" smtClean="0">
+                <a:latin typeface="微软雅黑" panose="020B0503020204020204" pitchFamily="34" charset="-122"/>
+                <a:ea typeface="微软雅黑" panose="020B0503020204020204" pitchFamily="34" charset="-122"/>
+              </a:rPr>
+              <a:pPr>
+                <a:defRPr/>
+              </a:pPr>
+              <a:t>21</a:t>
+            </a:fld>
+            <a:endParaRPr lang="en-US">
+              <a:latin typeface="微软雅黑" panose="020B0503020204020204" pitchFamily="34" charset="-122"/>
+              <a:ea typeface="微软雅黑" panose="020B0503020204020204" pitchFamily="34" charset="-122"/>
+            </a:endParaRPr>
+          </a:p>
+        </p:txBody>
+      </p:sp>
+      <p:pic>
+        <p:nvPicPr>
+          <p:cNvPr id="3" name="图片 2"/>
+          <p:cNvPicPr>
+            <a:picLocks noChangeAspect="1"/>
+          </p:cNvPicPr>
+          <p:nvPr/>
+        </p:nvPicPr>
+        <p:blipFill>
+          <a:blip r:embed="rId2"/>
+          <a:stretch>
+            <a:fillRect/>
+          </a:stretch>
+        </p:blipFill>
+        <p:spPr>
+          <a:xfrm>
+            <a:off x="381000" y="1348408"/>
+            <a:ext cx="7197677" cy="4126885"/>
+          </a:xfrm>
+          <a:prstGeom prst="rect">
+            <a:avLst/>
+          </a:prstGeom>
+        </p:spPr>
+      </p:pic>
+      <p:grpSp>
+        <p:nvGrpSpPr>
+          <p:cNvPr id="13" name="组合 12"/>
+          <p:cNvGrpSpPr/>
+          <p:nvPr/>
+        </p:nvGrpSpPr>
+        <p:grpSpPr>
+          <a:xfrm flipH="1">
+            <a:off x="6106730" y="2331940"/>
+            <a:ext cx="3023596" cy="498565"/>
+            <a:chOff x="4596816" y="3896959"/>
+            <a:chExt cx="3016992" cy="498565"/>
+          </a:xfrm>
+        </p:grpSpPr>
+        <p:sp>
+          <p:nvSpPr>
+            <p:cNvPr id="14" name="箭头: 燕尾形 13"/>
+            <p:cNvSpPr/>
+            <p:nvPr/>
+          </p:nvSpPr>
+          <p:spPr bwMode="auto">
+            <a:xfrm>
+              <a:off x="6569831" y="3896959"/>
+              <a:ext cx="1043977" cy="498565"/>
+            </a:xfrm>
+            <a:prstGeom prst="notchedRightArrow">
+              <a:avLst/>
+            </a:prstGeom>
+            <a:solidFill>
+              <a:srgbClr val="FF0000"/>
+            </a:solidFill>
+            <a:ln>
+              <a:noFill/>
+            </a:ln>
+          </p:spPr>
+          <p:style>
+            <a:lnRef idx="0">
+              <a:scrgbClr r="0" g="0" b="0"/>
+            </a:lnRef>
+            <a:fillRef idx="0">
+              <a:scrgbClr r="0" g="0" b="0"/>
+            </a:fillRef>
+            <a:effectRef idx="0">
+              <a:scrgbClr r="0" g="0" b="0"/>
+            </a:effectRef>
+            <a:fontRef idx="minor">
+              <a:schemeClr val="lt1"/>
+            </a:fontRef>
+          </p:style>
+          <p:txBody>
+            <a:bodyPr lIns="457200" tIns="228600" rIns="457200" bIns="228600" rtlCol="0" anchor="ctr"/>
+            <a:lstStyle/>
+            <a:p>
+              <a:pPr algn="ctr">
+                <a:lnSpc>
+                  <a:spcPct val="100000"/>
+                </a:lnSpc>
+              </a:pPr>
+              <a:endParaRPr lang="zh-CN" altLang="en-US" dirty="0">
+                <a:solidFill>
+                  <a:schemeClr val="tx1"/>
+                </a:solidFill>
+                <a:latin typeface="微软雅黑" panose="020B0503020204020204" pitchFamily="34" charset="-122"/>
+                <a:ea typeface="微软雅黑" panose="020B0503020204020204" pitchFamily="34" charset="-122"/>
+              </a:endParaRPr>
+            </a:p>
+          </p:txBody>
+        </p:sp>
+        <p:sp>
+          <p:nvSpPr>
+            <p:cNvPr id="16" name="文本框 15"/>
+            <p:cNvSpPr txBox="1"/>
+            <p:nvPr/>
+          </p:nvSpPr>
+          <p:spPr>
+            <a:xfrm>
+              <a:off x="4596816" y="3946187"/>
+              <a:ext cx="1633412" cy="400110"/>
+            </a:xfrm>
+            <a:prstGeom prst="rect">
+              <a:avLst/>
+            </a:prstGeom>
+            <a:noFill/>
+          </p:spPr>
+          <p:txBody>
+            <a:bodyPr wrap="none" rtlCol="0">
+              <a:spAutoFit/>
+            </a:bodyPr>
+            <a:lstStyle/>
+            <a:p>
+              <a:pPr>
+                <a:lnSpc>
+                  <a:spcPct val="100000"/>
+                </a:lnSpc>
+              </a:pPr>
+              <a:r>
+                <a:rPr lang="en-US" altLang="zh-CN" sz="2000" dirty="0">
+                  <a:latin typeface="微软雅黑" panose="020B0503020204020204" pitchFamily="34" charset="-122"/>
+                  <a:ea typeface="微软雅黑" panose="020B0503020204020204" pitchFamily="34" charset="-122"/>
+                </a:rPr>
+                <a:t>Game Rules</a:t>
+              </a:r>
+              <a:endParaRPr lang="zh-CN" altLang="en-US" sz="2000" dirty="0">
+                <a:latin typeface="微软雅黑" panose="020B0503020204020204" pitchFamily="34" charset="-122"/>
+                <a:ea typeface="微软雅黑" panose="020B0503020204020204" pitchFamily="34" charset="-122"/>
+              </a:endParaRPr>
+            </a:p>
+          </p:txBody>
+        </p:sp>
+      </p:grpSp>
+      <p:pic>
+        <p:nvPicPr>
+          <p:cNvPr id="5" name="图片 4"/>
+          <p:cNvPicPr>
+            <a:picLocks noChangeAspect="1"/>
+          </p:cNvPicPr>
+          <p:nvPr/>
+        </p:nvPicPr>
+        <p:blipFill>
+          <a:blip r:embed="rId3"/>
+          <a:stretch>
+            <a:fillRect/>
+          </a:stretch>
+        </p:blipFill>
+        <p:spPr>
+          <a:xfrm>
+            <a:off x="5596942" y="6028928"/>
+            <a:ext cx="6963859" cy="3168352"/>
+          </a:xfrm>
+          <a:prstGeom prst="rect">
+            <a:avLst/>
+          </a:prstGeom>
+        </p:spPr>
+      </p:pic>
+    </p:spTree>
+    <p:extLst>
+      <p:ext uri="{BB962C8B-B14F-4D97-AF65-F5344CB8AC3E}">
+        <p14:creationId xmlns:p14="http://schemas.microsoft.com/office/powerpoint/2010/main" val="1633318666"/>
+      </p:ext>
+    </p:extLst>
+  </p:cSld>
+  <p:clrMapOvr>
+    <a:masterClrMapping/>
+  </p:clrMapOvr>
+  <p:transition/>
+</p:sld>
+</file>
+
+<file path=ppt/slides/slide22.xml><?xml version="1.0" encoding="utf-8"?>
+<p:sld xmlns:a="http://schemas.openxmlformats.org/drawingml/2006/main" xmlns:r="http://schemas.openxmlformats.org/officeDocument/2006/relationships" xmlns:p="http://schemas.openxmlformats.org/presentationml/2006/main">
+  <p:cSld>
+    <p:spTree>
+      <p:nvGrpSpPr>
+        <p:cNvPr id="1" name=""/>
+        <p:cNvGrpSpPr/>
+        <p:nvPr/>
+      </p:nvGrpSpPr>
+      <p:grpSpPr>
+        <a:xfrm>
+          <a:off x="0" y="0"/>
+          <a:ext cx="0" cy="0"/>
+          <a:chOff x="0" y="0"/>
+          <a:chExt cx="0" cy="0"/>
+        </a:xfrm>
+      </p:grpSpPr>
+      <p:sp>
+        <p:nvSpPr>
+          <p:cNvPr id="2" name="标题 1"/>
+          <p:cNvSpPr>
+            <a:spLocks noGrp="1"/>
+          </p:cNvSpPr>
+          <p:nvPr>
+            <p:ph type="title"/>
+          </p:nvPr>
+        </p:nvSpPr>
+        <p:spPr>
+          <a:xfrm>
+            <a:off x="406400" y="700336"/>
+            <a:ext cx="3149600" cy="723900"/>
+          </a:xfrm>
+        </p:spPr>
+        <p:txBody>
+          <a:bodyPr/>
+          <a:lstStyle/>
+          <a:p>
+            <a:pPr algn="ctr"/>
+            <a:r>
+              <a:rPr lang="en-US" altLang="zh-Hans" sz="4800" dirty="0">
+                <a:latin typeface="微软雅黑" panose="020B0503020204020204" pitchFamily="34" charset="-122"/>
+                <a:ea typeface="微软雅黑" panose="020B0503020204020204" pitchFamily="34" charset="-122"/>
+              </a:rPr>
+              <a:t>EXERCISE</a:t>
+            </a:r>
+            <a:endParaRPr lang="zh-Hans" altLang="en-US" sz="4800" dirty="0">
+              <a:latin typeface="微软雅黑" panose="020B0503020204020204" pitchFamily="34" charset="-122"/>
+              <a:ea typeface="微软雅黑" panose="020B0503020204020204" pitchFamily="34" charset="-122"/>
+            </a:endParaRPr>
+          </a:p>
+        </p:txBody>
+      </p:sp>
+      <p:sp>
+        <p:nvSpPr>
+          <p:cNvPr id="3" name="内容占位符 2"/>
+          <p:cNvSpPr>
+            <a:spLocks noGrp="1"/>
+          </p:cNvSpPr>
+          <p:nvPr>
+            <p:ph idx="1"/>
+          </p:nvPr>
+        </p:nvSpPr>
+        <p:spPr>
+          <a:xfrm>
+            <a:off x="3797300" y="584200"/>
+            <a:ext cx="8826500" cy="8674100"/>
+          </a:xfrm>
+        </p:spPr>
+        <p:txBody>
+          <a:bodyPr/>
+          <a:lstStyle/>
+          <a:p>
+            <a:pPr marL="520700" indent="-520700">
+              <a:lnSpc>
+                <a:spcPct val="120000"/>
+              </a:lnSpc>
+              <a:spcBef>
+                <a:spcPts val="1200"/>
+              </a:spcBef>
+              <a:buClr>
+                <a:schemeClr val="tx2"/>
+              </a:buClr>
+              <a:buFont typeface="Wingdings" charset="2"/>
+              <a:buChar char=""/>
+            </a:pPr>
+            <a:r>
+              <a:rPr lang="zh-CN" altLang="en-US" sz="3600" dirty="0">
+                <a:latin typeface="微软雅黑" panose="020B0503020204020204" pitchFamily="34" charset="-122"/>
+                <a:ea typeface="微软雅黑" panose="020B0503020204020204" pitchFamily="34" charset="-122"/>
+              </a:rPr>
+              <a:t>重构</a:t>
+            </a:r>
+            <a:r>
+              <a:rPr lang="en-US" altLang="zh-CN" sz="3600" dirty="0" err="1">
+                <a:latin typeface="微软雅黑" panose="020B0503020204020204" pitchFamily="34" charset="-122"/>
+                <a:ea typeface="微软雅黑" panose="020B0503020204020204" pitchFamily="34" charset="-122"/>
+              </a:rPr>
+              <a:t>student_say</a:t>
+            </a:r>
+            <a:r>
+              <a:rPr lang="en-US" altLang="zh-CN" sz="3600" dirty="0">
+                <a:latin typeface="微软雅黑" panose="020B0503020204020204" pitchFamily="34" charset="-122"/>
+                <a:ea typeface="微软雅黑" panose="020B0503020204020204" pitchFamily="34" charset="-122"/>
+              </a:rPr>
+              <a:t>()</a:t>
+            </a:r>
+            <a:r>
+              <a:rPr lang="zh-CN" altLang="en-US" sz="3600" dirty="0">
+                <a:latin typeface="微软雅黑" panose="020B0503020204020204" pitchFamily="34" charset="-122"/>
+                <a:ea typeface="微软雅黑" panose="020B0503020204020204" pitchFamily="34" charset="-122"/>
+              </a:rPr>
+              <a:t>的实现</a:t>
+            </a:r>
+            <a:r>
+              <a:rPr lang="en-US" altLang="zh-CN" sz="3600" dirty="0">
+                <a:latin typeface="微软雅黑" panose="020B0503020204020204" pitchFamily="34" charset="-122"/>
+                <a:ea typeface="微软雅黑" panose="020B0503020204020204" pitchFamily="34" charset="-122"/>
+              </a:rPr>
+              <a:t>, </a:t>
+            </a:r>
+            <a:r>
+              <a:rPr lang="zh-CN" altLang="en-US" sz="3600" dirty="0">
+                <a:latin typeface="微软雅黑" panose="020B0503020204020204" pitchFamily="34" charset="-122"/>
+                <a:ea typeface="微软雅黑" panose="020B0503020204020204" pitchFamily="34" charset="-122"/>
+              </a:rPr>
+              <a:t>并针对不同规则进行测试</a:t>
+            </a:r>
+            <a:endParaRPr lang="zh-Hans" altLang="en-US" sz="3600" dirty="0">
+              <a:latin typeface="微软雅黑" panose="020B0503020204020204" pitchFamily="34" charset="-122"/>
+              <a:ea typeface="微软雅黑" panose="020B0503020204020204" pitchFamily="34" charset="-122"/>
+            </a:endParaRPr>
+          </a:p>
+          <a:p>
+            <a:pPr marL="520700" indent="-520700">
+              <a:lnSpc>
+                <a:spcPct val="120000"/>
+              </a:lnSpc>
+              <a:spcBef>
+                <a:spcPts val="1200"/>
+              </a:spcBef>
+              <a:buClr>
+                <a:schemeClr val="tx2"/>
+              </a:buClr>
+              <a:buFont typeface="Wingdings" charset="2"/>
+              <a:buChar char=""/>
+            </a:pPr>
+            <a:r>
+              <a:rPr lang="zh-CN" altLang="en-US" sz="3600" dirty="0">
+                <a:latin typeface="微软雅黑" panose="020B0503020204020204" pitchFamily="34" charset="-122"/>
+                <a:ea typeface="微软雅黑" panose="020B0503020204020204" pitchFamily="34" charset="-122"/>
+              </a:rPr>
+              <a:t>通过</a:t>
+            </a:r>
+            <a:r>
+              <a:rPr lang="en-US" altLang="zh-CN" sz="3600" dirty="0">
+                <a:latin typeface="微软雅黑" panose="020B0503020204020204" pitchFamily="34" charset="-122"/>
+                <a:ea typeface="微软雅黑" panose="020B0503020204020204" pitchFamily="34" charset="-122"/>
+              </a:rPr>
+              <a:t>Test Fixture</a:t>
+            </a:r>
+            <a:r>
+              <a:rPr lang="zh-CN" altLang="en-US" sz="3600" dirty="0">
+                <a:latin typeface="微软雅黑" panose="020B0503020204020204" pitchFamily="34" charset="-122"/>
+                <a:ea typeface="微软雅黑" panose="020B0503020204020204" pitchFamily="34" charset="-122"/>
+              </a:rPr>
+              <a:t>重构测试用例</a:t>
+            </a:r>
+            <a:r>
+              <a:rPr lang="en-US" altLang="zh-CN" sz="3600" dirty="0">
+                <a:latin typeface="微软雅黑" panose="020B0503020204020204" pitchFamily="34" charset="-122"/>
+                <a:ea typeface="微软雅黑" panose="020B0503020204020204" pitchFamily="34" charset="-122"/>
+              </a:rPr>
+              <a:t>(bonus)</a:t>
+            </a:r>
+            <a:endParaRPr lang="zh-Hans" altLang="en-US" sz="3600" dirty="0">
+              <a:latin typeface="微软雅黑" panose="020B0503020204020204" pitchFamily="34" charset="-122"/>
+              <a:ea typeface="微软雅黑" panose="020B0503020204020204" pitchFamily="34" charset="-122"/>
+            </a:endParaRPr>
+          </a:p>
+        </p:txBody>
+      </p:sp>
+      <p:sp>
+        <p:nvSpPr>
+          <p:cNvPr id="4" name="灯片编号占位符 3"/>
+          <p:cNvSpPr>
+            <a:spLocks noGrp="1"/>
+          </p:cNvSpPr>
+          <p:nvPr>
+            <p:ph type="sldNum" sz="quarter" idx="10"/>
+          </p:nvPr>
+        </p:nvSpPr>
+        <p:spPr/>
+        <p:txBody>
+          <a:bodyPr/>
+          <a:lstStyle/>
+          <a:p>
+            <a:pPr>
+              <a:defRPr/>
+            </a:pPr>
+            <a:fld id="{6BD71149-C6B6-DA41-AB69-4C8E97C931F0}" type="slidenum">
+              <a:rPr lang="en-US" smtClean="0">
+                <a:latin typeface="微软雅黑" panose="020B0503020204020204" pitchFamily="34" charset="-122"/>
+                <a:ea typeface="微软雅黑" panose="020B0503020204020204" pitchFamily="34" charset="-122"/>
+              </a:rPr>
+              <a:pPr>
+                <a:defRPr/>
+              </a:pPr>
+              <a:t>22</a:t>
+            </a:fld>
+            <a:endParaRPr lang="en-US">
+              <a:latin typeface="微软雅黑" panose="020B0503020204020204" pitchFamily="34" charset="-122"/>
+              <a:ea typeface="微软雅黑" panose="020B0503020204020204" pitchFamily="34" charset="-122"/>
+            </a:endParaRPr>
+          </a:p>
+        </p:txBody>
+      </p:sp>
+      <p:pic>
+        <p:nvPicPr>
+          <p:cNvPr id="5" name="Glyph Inventory 1_go-self-service.jpg"/>
+          <p:cNvPicPr/>
+          <p:nvPr/>
+        </p:nvPicPr>
+        <p:blipFill>
+          <a:blip r:embed="rId2">
+            <a:extLst/>
+          </a:blip>
+          <a:stretch>
+            <a:fillRect/>
+          </a:stretch>
+        </p:blipFill>
+        <p:spPr>
+          <a:xfrm>
+            <a:off x="385233" y="1189194"/>
+            <a:ext cx="3039534" cy="3039534"/>
+          </a:xfrm>
+          <a:prstGeom prst="rect">
+            <a:avLst/>
+          </a:prstGeom>
+          <a:ln w="12700">
+            <a:miter lim="400000"/>
+          </a:ln>
+        </p:spPr>
+      </p:pic>
+    </p:spTree>
+  </p:cSld>
+  <p:clrMapOvr>
+    <a:masterClrMapping/>
+  </p:clrMapOvr>
+  <p:transition/>
+</p:sld>
+</file>
+
+<file path=ppt/slides/slide23.xml><?xml version="1.0" encoding="utf-8"?>
+<p:sld xmlns:a="http://schemas.openxmlformats.org/drawingml/2006/main" xmlns:r="http://schemas.openxmlformats.org/officeDocument/2006/relationships" xmlns:p="http://schemas.openxmlformats.org/presentationml/2006/main">
+  <p:cSld>
+    <p:spTree>
+      <p:nvGrpSpPr>
+        <p:cNvPr id="1" name=""/>
+        <p:cNvGrpSpPr/>
+        <p:nvPr/>
+      </p:nvGrpSpPr>
+      <p:grpSpPr>
+        <a:xfrm>
+          <a:off x="0" y="0"/>
+          <a:ext cx="0" cy="0"/>
+          <a:chOff x="0" y="0"/>
+          <a:chExt cx="0" cy="0"/>
+        </a:xfrm>
+      </p:grpSpPr>
       <p:pic>
         <p:nvPicPr>
           <p:cNvPr id="1028" name="Picture 4" descr="http://www.0571gb.com/d/file/p/d0c3fc91dc315b8cb4158d591f745d6e.jpg"/>
@@ -15395,7 +15902,7 @@
                 <a:latin typeface="微软雅黑" panose="020B0503020204020204" pitchFamily="34" charset="-122"/>
                 <a:ea typeface="微软雅黑" panose="020B0503020204020204" pitchFamily="34" charset="-122"/>
               </a:rPr>
-              <a:t>Applying Rules</a:t>
+              <a:t>After Refactoring</a:t>
             </a:r>
             <a:endParaRPr lang="zh-Hans" altLang="en-US" dirty="0">
               <a:latin typeface="微软雅黑" panose="020B0503020204020204" pitchFamily="34" charset="-122"/>
@@ -15430,7 +15937,7 @@
               <a:pPr>
                 <a:defRPr/>
               </a:pPr>
-              <a:t>21</a:t>
+              <a:t>23</a:t>
             </a:fld>
             <a:endParaRPr lang="en-US">
               <a:latin typeface="微软雅黑" panose="020B0503020204020204" pitchFamily="34" charset="-122"/>
@@ -15573,30 +16080,6 @@
           </p:txBody>
         </p:sp>
       </p:grpSp>
-      <p:pic>
-        <p:nvPicPr>
-          <p:cNvPr id="5" name="图片 4"/>
-          <p:cNvPicPr>
-            <a:picLocks noChangeAspect="1"/>
-          </p:cNvPicPr>
-          <p:nvPr/>
-        </p:nvPicPr>
-        <p:blipFill>
-          <a:blip r:embed="rId4"/>
-          <a:stretch>
-            <a:fillRect/>
-          </a:stretch>
-        </p:blipFill>
-        <p:spPr>
-          <a:xfrm>
-            <a:off x="5596942" y="6028928"/>
-            <a:ext cx="6963859" cy="3168352"/>
-          </a:xfrm>
-          <a:prstGeom prst="rect">
-            <a:avLst/>
-          </a:prstGeom>
-        </p:spPr>
-      </p:pic>
       <p:sp>
         <p:nvSpPr>
           <p:cNvPr id="30" name="文本框 29"/>
@@ -15664,10 +16147,167 @@
           </a:p>
         </p:txBody>
       </p:sp>
+      <p:grpSp>
+        <p:nvGrpSpPr>
+          <p:cNvPr id="11" name="组合 10"/>
+          <p:cNvGrpSpPr/>
+          <p:nvPr/>
+        </p:nvGrpSpPr>
+        <p:grpSpPr>
+          <a:xfrm>
+            <a:off x="5792509" y="5475293"/>
+            <a:ext cx="6831291" cy="3331655"/>
+            <a:chOff x="381000" y="1329531"/>
+            <a:chExt cx="7900952" cy="3853334"/>
+          </a:xfrm>
+        </p:grpSpPr>
+        <p:pic>
+          <p:nvPicPr>
+            <p:cNvPr id="12" name="图片 11"/>
+            <p:cNvPicPr>
+              <a:picLocks noChangeAspect="1"/>
+            </p:cNvPicPr>
+            <p:nvPr/>
+          </p:nvPicPr>
+          <p:blipFill>
+            <a:blip r:embed="rId4"/>
+            <a:stretch>
+              <a:fillRect/>
+            </a:stretch>
+          </p:blipFill>
+          <p:spPr>
+            <a:xfrm>
+              <a:off x="381000" y="1329531"/>
+              <a:ext cx="7900952" cy="3853334"/>
+            </a:xfrm>
+            <a:prstGeom prst="rect">
+              <a:avLst/>
+            </a:prstGeom>
+          </p:spPr>
+        </p:pic>
+        <p:cxnSp>
+          <p:nvCxnSpPr>
+            <p:cNvPr id="15" name="直接连接符 14"/>
+            <p:cNvCxnSpPr/>
+            <p:nvPr/>
+          </p:nvCxnSpPr>
+          <p:spPr bwMode="auto">
+            <a:xfrm>
+              <a:off x="1004392" y="2847876"/>
+              <a:ext cx="5714032" cy="0"/>
+            </a:xfrm>
+            <a:prstGeom prst="line">
+              <a:avLst/>
+            </a:prstGeom>
+            <a:ln>
+              <a:solidFill>
+                <a:srgbClr val="FF0000"/>
+              </a:solidFill>
+            </a:ln>
+            <a:extLst>
+              <a:ext uri="{91240B29-F687-4f45-9708-019B960494DF}">
+                <a14:hiddenLine xmlns:a14="http://schemas.microsoft.com/office/drawing/2010/main" xmlns="" w="25400" cap="flat" cmpd="sng" algn="ctr">
+                  <a:solidFill>
+                    <a:srgbClr val="000000"/>
+                  </a:solidFill>
+                  <a:prstDash val="solid"/>
+                  <a:round/>
+                  <a:headEnd type="none" w="med" len="med"/>
+                  <a:tailEnd type="none" w="med" len="med"/>
+                </a14:hiddenLine>
+              </a:ext>
+              <a:ext uri="{AF507438-7753-43e0-B8FC-AC1667EBCBE1}">
+                <a14:hiddenEffects xmlns:a14="http://schemas.microsoft.com/office/drawing/2010/main" xmlns="">
+                  <a:effectLst>
+                    <a:outerShdw blurRad="63500" dist="38099" dir="2700000" algn="ctr" rotWithShape="0">
+                      <a:schemeClr val="bg2">
+                        <a:alpha val="74998"/>
+                      </a:schemeClr>
+                    </a:outerShdw>
+                  </a:effectLst>
+                </a14:hiddenEffects>
+              </a:ext>
+            </a:extLst>
+          </p:spPr>
+          <p:style>
+            <a:lnRef idx="2">
+              <a:schemeClr val="accent5"/>
+            </a:lnRef>
+            <a:fillRef idx="0">
+              <a:schemeClr val="accent5"/>
+            </a:fillRef>
+            <a:effectRef idx="1">
+              <a:schemeClr val="accent5"/>
+            </a:effectRef>
+            <a:fontRef idx="minor">
+              <a:schemeClr val="tx1"/>
+            </a:fontRef>
+          </p:style>
+        </p:cxnSp>
+        <p:cxnSp>
+          <p:nvCxnSpPr>
+            <p:cNvPr id="17" name="直接连接符 16"/>
+            <p:cNvCxnSpPr/>
+            <p:nvPr/>
+          </p:nvCxnSpPr>
+          <p:spPr bwMode="auto">
+            <a:xfrm>
+              <a:off x="994867" y="4535810"/>
+              <a:ext cx="6650136" cy="0"/>
+            </a:xfrm>
+            <a:prstGeom prst="line">
+              <a:avLst/>
+            </a:prstGeom>
+            <a:ln>
+              <a:solidFill>
+                <a:srgbClr val="FF0000"/>
+              </a:solidFill>
+            </a:ln>
+            <a:extLst>
+              <a:ext uri="{91240B29-F687-4f45-9708-019B960494DF}">
+                <a14:hiddenLine xmlns:a14="http://schemas.microsoft.com/office/drawing/2010/main" xmlns="" w="25400" cap="flat" cmpd="sng" algn="ctr">
+                  <a:solidFill>
+                    <a:srgbClr val="000000"/>
+                  </a:solidFill>
+                  <a:prstDash val="solid"/>
+                  <a:round/>
+                  <a:headEnd type="none" w="med" len="med"/>
+                  <a:tailEnd type="none" w="med" len="med"/>
+                </a14:hiddenLine>
+              </a:ext>
+              <a:ext uri="{AF507438-7753-43e0-B8FC-AC1667EBCBE1}">
+                <a14:hiddenEffects xmlns:a14="http://schemas.microsoft.com/office/drawing/2010/main" xmlns="">
+                  <a:effectLst>
+                    <a:outerShdw blurRad="63500" dist="38099" dir="2700000" algn="ctr" rotWithShape="0">
+                      <a:schemeClr val="bg2">
+                        <a:alpha val="74998"/>
+                      </a:schemeClr>
+                    </a:outerShdw>
+                  </a:effectLst>
+                </a14:hiddenEffects>
+              </a:ext>
+            </a:extLst>
+          </p:spPr>
+          <p:style>
+            <a:lnRef idx="2">
+              <a:schemeClr val="accent5"/>
+            </a:lnRef>
+            <a:fillRef idx="0">
+              <a:schemeClr val="accent5"/>
+            </a:fillRef>
+            <a:effectRef idx="1">
+              <a:schemeClr val="accent5"/>
+            </a:effectRef>
+            <a:fontRef idx="minor">
+              <a:schemeClr val="tx1"/>
+            </a:fontRef>
+          </p:style>
+        </p:cxnSp>
+      </p:grpSp>
     </p:spTree>
     <p:extLst>
       <p:ext uri="{BB962C8B-B14F-4D97-AF65-F5344CB8AC3E}">
-        <p14:creationId xmlns:p14="http://schemas.microsoft.com/office/powerpoint/2010/main" val="1633318666"/>
+        <p14:creationId xmlns:p14="http://schemas.microsoft.com/office/powerpoint/2010/main" val="1691850028"/>
       </p:ext>
     </p:extLst>
   </p:cSld>
@@ -15678,259 +16318,7 @@
 </p:sld>
 </file>
 
-<file path=ppt/slides/slide22.xml><?xml version="1.0" encoding="utf-8"?>
-<p:sld xmlns:a="http://schemas.openxmlformats.org/drawingml/2006/main" xmlns:r="http://schemas.openxmlformats.org/officeDocument/2006/relationships" xmlns:p="http://schemas.openxmlformats.org/presentationml/2006/main">
-  <p:cSld>
-    <p:spTree>
-      <p:nvGrpSpPr>
-        <p:cNvPr id="1" name=""/>
-        <p:cNvGrpSpPr/>
-        <p:nvPr/>
-      </p:nvGrpSpPr>
-      <p:grpSpPr>
-        <a:xfrm>
-          <a:off x="0" y="0"/>
-          <a:ext cx="0" cy="0"/>
-          <a:chOff x="0" y="0"/>
-          <a:chExt cx="0" cy="0"/>
-        </a:xfrm>
-      </p:grpSpPr>
-      <p:sp>
-        <p:nvSpPr>
-          <p:cNvPr id="2" name="标题 1"/>
-          <p:cNvSpPr>
-            <a:spLocks noGrp="1"/>
-          </p:cNvSpPr>
-          <p:nvPr>
-            <p:ph type="title"/>
-          </p:nvPr>
-        </p:nvSpPr>
-        <p:spPr>
-          <a:xfrm>
-            <a:off x="406400" y="700336"/>
-            <a:ext cx="3149600" cy="723900"/>
-          </a:xfrm>
-        </p:spPr>
-        <p:txBody>
-          <a:bodyPr/>
-          <a:lstStyle/>
-          <a:p>
-            <a:pPr algn="ctr"/>
-            <a:r>
-              <a:rPr lang="en-US" altLang="zh-Hans" sz="4800" dirty="0">
-                <a:latin typeface="微软雅黑" panose="020B0503020204020204" pitchFamily="34" charset="-122"/>
-                <a:ea typeface="微软雅黑" panose="020B0503020204020204" pitchFamily="34" charset="-122"/>
-              </a:rPr>
-              <a:t>EXERCISE</a:t>
-            </a:r>
-            <a:endParaRPr lang="zh-Hans" altLang="en-US" sz="4800" dirty="0">
-              <a:latin typeface="微软雅黑" panose="020B0503020204020204" pitchFamily="34" charset="-122"/>
-              <a:ea typeface="微软雅黑" panose="020B0503020204020204" pitchFamily="34" charset="-122"/>
-            </a:endParaRPr>
-          </a:p>
-        </p:txBody>
-      </p:sp>
-      <p:sp>
-        <p:nvSpPr>
-          <p:cNvPr id="3" name="内容占位符 2"/>
-          <p:cNvSpPr>
-            <a:spLocks noGrp="1"/>
-          </p:cNvSpPr>
-          <p:nvPr>
-            <p:ph idx="1"/>
-          </p:nvPr>
-        </p:nvSpPr>
-        <p:spPr>
-          <a:xfrm>
-            <a:off x="3797300" y="584200"/>
-            <a:ext cx="8826500" cy="8674100"/>
-          </a:xfrm>
-        </p:spPr>
-        <p:txBody>
-          <a:bodyPr/>
-          <a:lstStyle/>
-          <a:p>
-            <a:pPr marL="520700" indent="-520700">
-              <a:lnSpc>
-                <a:spcPct val="120000"/>
-              </a:lnSpc>
-              <a:spcBef>
-                <a:spcPts val="1200"/>
-              </a:spcBef>
-              <a:buClr>
-                <a:schemeClr val="tx2"/>
-              </a:buClr>
-              <a:buFont typeface="Wingdings" charset="2"/>
-              <a:buChar char=""/>
-            </a:pPr>
-            <a:r>
-              <a:rPr lang="zh-CN" altLang="en-US" sz="3600" dirty="0">
-                <a:latin typeface="微软雅黑" panose="020B0503020204020204" pitchFamily="34" charset="-122"/>
-                <a:ea typeface="微软雅黑" panose="020B0503020204020204" pitchFamily="34" charset="-122"/>
-              </a:rPr>
-              <a:t>重构</a:t>
-            </a:r>
-            <a:r>
-              <a:rPr lang="en-US" altLang="zh-CN" sz="3600" dirty="0" err="1">
-                <a:latin typeface="微软雅黑" panose="020B0503020204020204" pitchFamily="34" charset="-122"/>
-                <a:ea typeface="微软雅黑" panose="020B0503020204020204" pitchFamily="34" charset="-122"/>
-              </a:rPr>
-              <a:t>student_say</a:t>
-            </a:r>
-            <a:r>
-              <a:rPr lang="en-US" altLang="zh-CN" sz="3600" dirty="0">
-                <a:latin typeface="微软雅黑" panose="020B0503020204020204" pitchFamily="34" charset="-122"/>
-                <a:ea typeface="微软雅黑" panose="020B0503020204020204" pitchFamily="34" charset="-122"/>
-              </a:rPr>
-              <a:t>()</a:t>
-            </a:r>
-            <a:r>
-              <a:rPr lang="zh-CN" altLang="en-US" sz="3600" dirty="0">
-                <a:latin typeface="微软雅黑" panose="020B0503020204020204" pitchFamily="34" charset="-122"/>
-                <a:ea typeface="微软雅黑" panose="020B0503020204020204" pitchFamily="34" charset="-122"/>
-              </a:rPr>
-              <a:t>的实现</a:t>
-            </a:r>
-            <a:r>
-              <a:rPr lang="en-US" altLang="zh-CN" sz="3600" dirty="0">
-                <a:latin typeface="微软雅黑" panose="020B0503020204020204" pitchFamily="34" charset="-122"/>
-                <a:ea typeface="微软雅黑" panose="020B0503020204020204" pitchFamily="34" charset="-122"/>
-              </a:rPr>
-              <a:t>, </a:t>
-            </a:r>
-            <a:r>
-              <a:rPr lang="zh-CN" altLang="en-US" sz="3600" dirty="0">
-                <a:latin typeface="微软雅黑" panose="020B0503020204020204" pitchFamily="34" charset="-122"/>
-                <a:ea typeface="微软雅黑" panose="020B0503020204020204" pitchFamily="34" charset="-122"/>
-              </a:rPr>
-              <a:t>并针对不同规则进行测试</a:t>
-            </a:r>
-            <a:endParaRPr lang="zh-Hans" altLang="en-US" sz="3600" dirty="0">
-              <a:latin typeface="微软雅黑" panose="020B0503020204020204" pitchFamily="34" charset="-122"/>
-              <a:ea typeface="微软雅黑" panose="020B0503020204020204" pitchFamily="34" charset="-122"/>
-            </a:endParaRPr>
-          </a:p>
-          <a:p>
-            <a:pPr marL="520700" indent="-520700">
-              <a:lnSpc>
-                <a:spcPct val="120000"/>
-              </a:lnSpc>
-              <a:spcBef>
-                <a:spcPts val="1200"/>
-              </a:spcBef>
-              <a:buClr>
-                <a:schemeClr val="tx2"/>
-              </a:buClr>
-              <a:buFont typeface="Wingdings" charset="2"/>
-              <a:buChar char=""/>
-            </a:pPr>
-            <a:r>
-              <a:rPr lang="zh-CN" altLang="en-US" sz="3600" dirty="0">
-                <a:latin typeface="微软雅黑" panose="020B0503020204020204" pitchFamily="34" charset="-122"/>
-                <a:ea typeface="微软雅黑" panose="020B0503020204020204" pitchFamily="34" charset="-122"/>
-              </a:rPr>
-              <a:t>通过</a:t>
-            </a:r>
-            <a:r>
-              <a:rPr lang="en-US" altLang="zh-CN" sz="3600" dirty="0">
-                <a:latin typeface="微软雅黑" panose="020B0503020204020204" pitchFamily="34" charset="-122"/>
-                <a:ea typeface="微软雅黑" panose="020B0503020204020204" pitchFamily="34" charset="-122"/>
-              </a:rPr>
-              <a:t>Test Fixture</a:t>
-            </a:r>
-            <a:r>
-              <a:rPr lang="zh-CN" altLang="en-US" sz="3600" dirty="0">
-                <a:latin typeface="微软雅黑" panose="020B0503020204020204" pitchFamily="34" charset="-122"/>
-                <a:ea typeface="微软雅黑" panose="020B0503020204020204" pitchFamily="34" charset="-122"/>
-              </a:rPr>
-              <a:t>重构测试用例</a:t>
-            </a:r>
-            <a:r>
-              <a:rPr lang="en-US" altLang="zh-CN" sz="3600" dirty="0">
-                <a:latin typeface="微软雅黑" panose="020B0503020204020204" pitchFamily="34" charset="-122"/>
-                <a:ea typeface="微软雅黑" panose="020B0503020204020204" pitchFamily="34" charset="-122"/>
-              </a:rPr>
-              <a:t>(bonus)</a:t>
-            </a:r>
-            <a:endParaRPr lang="zh-Hans" altLang="en-US" sz="3600" dirty="0">
-              <a:latin typeface="微软雅黑" panose="020B0503020204020204" pitchFamily="34" charset="-122"/>
-              <a:ea typeface="微软雅黑" panose="020B0503020204020204" pitchFamily="34" charset="-122"/>
-            </a:endParaRPr>
-          </a:p>
-        </p:txBody>
-      </p:sp>
-      <p:sp>
-        <p:nvSpPr>
-          <p:cNvPr id="4" name="灯片编号占位符 3"/>
-          <p:cNvSpPr>
-            <a:spLocks noGrp="1"/>
-          </p:cNvSpPr>
-          <p:nvPr>
-            <p:ph type="sldNum" sz="quarter" idx="10"/>
-          </p:nvPr>
-        </p:nvSpPr>
-        <p:spPr/>
-        <p:txBody>
-          <a:bodyPr/>
-          <a:lstStyle/>
-          <a:p>
-            <a:pPr>
-              <a:defRPr/>
-            </a:pPr>
-            <a:fld id="{6BD71149-C6B6-DA41-AB69-4C8E97C931F0}" type="slidenum">
-              <a:rPr lang="en-US" smtClean="0">
-                <a:latin typeface="微软雅黑" panose="020B0503020204020204" pitchFamily="34" charset="-122"/>
-                <a:ea typeface="微软雅黑" panose="020B0503020204020204" pitchFamily="34" charset="-122"/>
-              </a:rPr>
-              <a:pPr>
-                <a:defRPr/>
-              </a:pPr>
-              <a:t>22</a:t>
-            </a:fld>
-            <a:endParaRPr lang="en-US">
-              <a:latin typeface="微软雅黑" panose="020B0503020204020204" pitchFamily="34" charset="-122"/>
-              <a:ea typeface="微软雅黑" panose="020B0503020204020204" pitchFamily="34" charset="-122"/>
-            </a:endParaRPr>
-          </a:p>
-        </p:txBody>
-      </p:sp>
-      <p:pic>
-        <p:nvPicPr>
-          <p:cNvPr id="5" name="Glyph Inventory 1_go-self-service.jpg"/>
-          <p:cNvPicPr/>
-          <p:nvPr/>
-        </p:nvPicPr>
-        <p:blipFill>
-          <a:blip r:embed="rId2">
-            <a:extLst/>
-          </a:blip>
-          <a:stretch>
-            <a:fillRect/>
-          </a:stretch>
-        </p:blipFill>
-        <p:spPr>
-          <a:xfrm>
-            <a:off x="385233" y="1189194"/>
-            <a:ext cx="3039534" cy="3039534"/>
-          </a:xfrm>
-          <a:prstGeom prst="rect">
-            <a:avLst/>
-          </a:prstGeom>
-          <a:ln w="12700">
-            <a:miter lim="400000"/>
-          </a:ln>
-        </p:spPr>
-      </p:pic>
-    </p:spTree>
-  </p:cSld>
-  <p:clrMapOvr>
-    <a:masterClrMapping/>
-  </p:clrMapOvr>
-  <p:transition/>
-</p:sld>
-</file>
-
-<file path=ppt/slides/slide23.xml><?xml version="1.0" encoding="utf-8"?>
+<file path=ppt/slides/slide24.xml><?xml version="1.0" encoding="utf-8"?>
 <p:sld xmlns:a="http://schemas.openxmlformats.org/drawingml/2006/main" xmlns:r="http://schemas.openxmlformats.org/officeDocument/2006/relationships" xmlns:p="http://schemas.openxmlformats.org/presentationml/2006/main">
   <p:cSld>
     <p:spTree>
@@ -16061,7 +16449,7 @@
               <a:pPr>
                 <a:defRPr/>
               </a:pPr>
-              <a:t>23</a:t>
+              <a:t>24</a:t>
             </a:fld>
             <a:endParaRPr lang="en-US"/>
           </a:p>
@@ -16081,7 +16469,7 @@
 </p:sld>
 </file>
 
-<file path=ppt/slides/slide24.xml><?xml version="1.0" encoding="utf-8"?>
+<file path=ppt/slides/slide25.xml><?xml version="1.0" encoding="utf-8"?>
 <p:sld xmlns:a="http://schemas.openxmlformats.org/drawingml/2006/main" xmlns:r="http://schemas.openxmlformats.org/officeDocument/2006/relationships" xmlns:p="http://schemas.openxmlformats.org/presentationml/2006/main">
   <p:cSld>
     <p:spTree>
@@ -16178,7 +16566,7 @@
 </p:sld>
 </file>
 
-<file path=ppt/slides/slide25.xml><?xml version="1.0" encoding="utf-8"?>
+<file path=ppt/slides/slide26.xml><?xml version="1.0" encoding="utf-8"?>
 <p:sld xmlns:a="http://schemas.openxmlformats.org/drawingml/2006/main" xmlns:r="http://schemas.openxmlformats.org/officeDocument/2006/relationships" xmlns:p="http://schemas.openxmlformats.org/presentationml/2006/main">
   <p:cSld>
     <p:spTree>
@@ -17468,7 +17856,7 @@
             <a:effectLst/>
             <a:extLst>
               <a:ext uri="{C572A759-6A51-4108-AA02-DFA0A04FC94B}">
-                <ma14:wrappingTextBoxFlag xmlns="" xmlns:ma14="http://schemas.microsoft.com/office/mac/drawingml/2011/main" val="1"/>
+                <ma14:wrappingTextBoxFlag xmlns:ma14="http://schemas.microsoft.com/office/mac/drawingml/2011/main" xmlns="" val="1"/>
               </a:ext>
             </a:extLst>
           </p:spPr>
@@ -17750,7 +18138,7 @@
             <a:effectLst/>
             <a:extLst>
               <a:ext uri="{C572A759-6A51-4108-AA02-DFA0A04FC94B}">
-                <ma14:wrappingTextBoxFlag xmlns="" xmlns:ma14="http://schemas.microsoft.com/office/mac/drawingml/2011/main" val="1"/>
+                <ma14:wrappingTextBoxFlag xmlns:ma14="http://schemas.microsoft.com/office/mac/drawingml/2011/main" xmlns="" val="1"/>
               </a:ext>
             </a:extLst>
           </p:spPr>
@@ -17990,7 +18378,7 @@
             <a:effectLst/>
             <a:extLst>
               <a:ext uri="{C572A759-6A51-4108-AA02-DFA0A04FC94B}">
-                <ma14:wrappingTextBoxFlag xmlns="" xmlns:ma14="http://schemas.microsoft.com/office/mac/drawingml/2011/main" val="1"/>
+                <ma14:wrappingTextBoxFlag xmlns:ma14="http://schemas.microsoft.com/office/mac/drawingml/2011/main" xmlns="" val="1"/>
               </a:ext>
             </a:extLst>
           </p:spPr>
@@ -18230,7 +18618,7 @@
             <a:effectLst/>
             <a:extLst>
               <a:ext uri="{C572A759-6A51-4108-AA02-DFA0A04FC94B}">
-                <ma14:wrappingTextBoxFlag xmlns="" xmlns:ma14="http://schemas.microsoft.com/office/mac/drawingml/2011/main" val="1"/>
+                <ma14:wrappingTextBoxFlag xmlns:ma14="http://schemas.microsoft.com/office/mac/drawingml/2011/main" xmlns="" val="1"/>
               </a:ext>
             </a:extLst>
           </p:spPr>
@@ -18348,7 +18736,7 @@
             <a:effectLst/>
             <a:extLst>
               <a:ext uri="{C572A759-6A51-4108-AA02-DFA0A04FC94B}">
-                <ma14:wrappingTextBoxFlag xmlns="" xmlns:ma14="http://schemas.microsoft.com/office/mac/drawingml/2011/main" val="1"/>
+                <ma14:wrappingTextBoxFlag xmlns:ma14="http://schemas.microsoft.com/office/mac/drawingml/2011/main" xmlns="" val="1"/>
               </a:ext>
             </a:extLst>
           </p:spPr>
@@ -18466,7 +18854,7 @@
             <a:effectLst/>
             <a:extLst>
               <a:ext uri="{C572A759-6A51-4108-AA02-DFA0A04FC94B}">
-                <ma14:wrappingTextBoxFlag xmlns="" xmlns:ma14="http://schemas.microsoft.com/office/mac/drawingml/2011/main" val="1"/>
+                <ma14:wrappingTextBoxFlag xmlns:ma14="http://schemas.microsoft.com/office/mac/drawingml/2011/main" xmlns="" val="1"/>
               </a:ext>
             </a:extLst>
           </p:spPr>
@@ -18584,7 +18972,7 @@
             <a:effectLst/>
             <a:extLst>
               <a:ext uri="{C572A759-6A51-4108-AA02-DFA0A04FC94B}">
-                <ma14:wrappingTextBoxFlag xmlns="" xmlns:ma14="http://schemas.microsoft.com/office/mac/drawingml/2011/main" val="1"/>
+                <ma14:wrappingTextBoxFlag xmlns:ma14="http://schemas.microsoft.com/office/mac/drawingml/2011/main" xmlns="" val="1"/>
               </a:ext>
             </a:extLst>
           </p:spPr>
@@ -18702,7 +19090,7 @@
             <a:effectLst/>
             <a:extLst>
               <a:ext uri="{C572A759-6A51-4108-AA02-DFA0A04FC94B}">
-                <ma14:wrappingTextBoxFlag xmlns="" xmlns:ma14="http://schemas.microsoft.com/office/mac/drawingml/2011/main" val="1"/>
+                <ma14:wrappingTextBoxFlag xmlns:ma14="http://schemas.microsoft.com/office/mac/drawingml/2011/main" xmlns="" val="1"/>
               </a:ext>
             </a:extLst>
           </p:spPr>
@@ -18820,7 +19208,7 @@
             <a:effectLst/>
             <a:extLst>
               <a:ext uri="{C572A759-6A51-4108-AA02-DFA0A04FC94B}">
-                <ma14:wrappingTextBoxFlag xmlns="" xmlns:ma14="http://schemas.microsoft.com/office/mac/drawingml/2011/main" val="1"/>
+                <ma14:wrappingTextBoxFlag xmlns:ma14="http://schemas.microsoft.com/office/mac/drawingml/2011/main" xmlns="" val="1"/>
               </a:ext>
             </a:extLst>
           </p:spPr>
@@ -18938,7 +19326,7 @@
             <a:effectLst/>
             <a:extLst>
               <a:ext uri="{C572A759-6A51-4108-AA02-DFA0A04FC94B}">
-                <ma14:wrappingTextBoxFlag xmlns="" xmlns:ma14="http://schemas.microsoft.com/office/mac/drawingml/2011/main" val="1"/>
+                <ma14:wrappingTextBoxFlag xmlns:ma14="http://schemas.microsoft.com/office/mac/drawingml/2011/main" xmlns="" val="1"/>
               </a:ext>
             </a:extLst>
           </p:spPr>
@@ -20476,7 +20864,7 @@
         <a:effectLst/>
         <a:extLst>
           <a:ext uri="{91240B29-F687-4f45-9708-019B960494DF}">
-            <a14:hiddenLine xmlns:a14="http://schemas.microsoft.com/office/drawing/2010/main" xmlns="" w="25400" cap="flat" cmpd="sng" algn="ctr">
+            <a14:hiddenLine xmlns="" xmlns:a14="http://schemas.microsoft.com/office/drawing/2010/main" w="25400" cap="flat" cmpd="sng" algn="ctr">
               <a:solidFill>
                 <a:srgbClr val="000000"/>
               </a:solidFill>
@@ -20487,7 +20875,7 @@
             </a14:hiddenLine>
           </a:ext>
           <a:ext uri="{AF507438-7753-43e0-B8FC-AC1667EBCBE1}">
-            <a14:hiddenEffects xmlns:a14="http://schemas.microsoft.com/office/drawing/2010/main" xmlns="">
+            <a14:hiddenEffects xmlns="" xmlns:a14="http://schemas.microsoft.com/office/drawing/2010/main">
               <a:effectLst>
                 <a:outerShdw blurRad="63500" dist="38099" dir="2700000" algn="ctr" rotWithShape="0">
                   <a:schemeClr val="bg2">
@@ -20863,7 +21251,7 @@
         <a:effectLst/>
         <a:extLst>
           <a:ext uri="{91240B29-F687-4f45-9708-019B960494DF}">
-            <a14:hiddenLine xmlns:a14="http://schemas.microsoft.com/office/drawing/2010/main" xmlns="" w="25400" cap="flat" cmpd="sng" algn="ctr">
+            <a14:hiddenLine xmlns="" xmlns:a14="http://schemas.microsoft.com/office/drawing/2010/main" w="25400" cap="flat" cmpd="sng" algn="ctr">
               <a:solidFill>
                 <a:srgbClr val="000000"/>
               </a:solidFill>
@@ -20874,7 +21262,7 @@
             </a14:hiddenLine>
           </a:ext>
           <a:ext uri="{AF507438-7753-43e0-B8FC-AC1667EBCBE1}">
-            <a14:hiddenEffects xmlns:a14="http://schemas.microsoft.com/office/drawing/2010/main" xmlns="">
+            <a14:hiddenEffects xmlns="" xmlns:a14="http://schemas.microsoft.com/office/drawing/2010/main">
               <a:effectLst>
                 <a:outerShdw blurRad="63500" dist="38099" dir="2700000" algn="ctr" rotWithShape="0">
                   <a:schemeClr val="bg2">
@@ -21250,7 +21638,7 @@
         <a:effectLst/>
         <a:extLst>
           <a:ext uri="{91240B29-F687-4f45-9708-019B960494DF}">
-            <a14:hiddenLine xmlns:a14="http://schemas.microsoft.com/office/drawing/2010/main" xmlns="" w="25400" cap="flat" cmpd="sng" algn="ctr">
+            <a14:hiddenLine xmlns="" xmlns:a14="http://schemas.microsoft.com/office/drawing/2010/main" w="25400" cap="flat" cmpd="sng" algn="ctr">
               <a:solidFill>
                 <a:srgbClr val="000000"/>
               </a:solidFill>
@@ -21261,7 +21649,7 @@
             </a14:hiddenLine>
           </a:ext>
           <a:ext uri="{AF507438-7753-43e0-B8FC-AC1667EBCBE1}">
-            <a14:hiddenEffects xmlns:a14="http://schemas.microsoft.com/office/drawing/2010/main" xmlns="">
+            <a14:hiddenEffects xmlns="" xmlns:a14="http://schemas.microsoft.com/office/drawing/2010/main">
               <a:effectLst>
                 <a:outerShdw blurRad="63500" dist="38099" dir="2700000" algn="ctr" rotWithShape="0">
                   <a:schemeClr val="bg2">
